--- a/Presentación.pptx
+++ b/Presentación.pptx
@@ -15,7 +15,8 @@
     <p:sldId id="266" r:id="rId9"/>
     <p:sldId id="265" r:id="rId10"/>
     <p:sldId id="267" r:id="rId11"/>
-    <p:sldId id="259" r:id="rId12"/>
+    <p:sldId id="269" r:id="rId12"/>
+    <p:sldId id="259" r:id="rId13"/>
   </p:sldIdLst>
   <p:sldSz cx="12192000" cy="6858000"/>
   <p:notesSz cx="6858000" cy="9144000"/>
@@ -1522,6 +1523,802 @@
       <dsp:cNvGrpSpPr/>
     </dsp:nvGrpSpPr>
     <dsp:grpSpPr/>
+    <dsp:sp modelId="{D070A81F-2A79-471E-9943-C31806B76A4E}">
+      <dsp:nvSpPr>
+        <dsp:cNvPr id="0" name=""/>
+        <dsp:cNvSpPr/>
+      </dsp:nvSpPr>
+      <dsp:spPr>
+        <a:xfrm>
+          <a:off x="-5265032" y="-806371"/>
+          <a:ext cx="6269555" cy="6269555"/>
+        </a:xfrm>
+        <a:prstGeom prst="blockArc">
+          <a:avLst>
+            <a:gd name="adj1" fmla="val 18900000"/>
+            <a:gd name="adj2" fmla="val 2700000"/>
+            <a:gd name="adj3" fmla="val 345"/>
+          </a:avLst>
+        </a:prstGeom>
+        <a:noFill/>
+        <a:ln w="12700" cap="flat" cmpd="sng" algn="ctr">
+          <a:solidFill>
+            <a:schemeClr val="accent2">
+              <a:hueOff val="0"/>
+              <a:satOff val="0"/>
+              <a:lumOff val="0"/>
+              <a:alphaOff val="0"/>
+            </a:schemeClr>
+          </a:solidFill>
+          <a:prstDash val="solid"/>
+          <a:miter lim="800000"/>
+        </a:ln>
+        <a:effectLst/>
+        <a:scene3d>
+          <a:camera prst="orthographicFront"/>
+          <a:lightRig rig="flat" dir="t"/>
+        </a:scene3d>
+        <a:sp3d prstMaterial="matte"/>
+      </dsp:spPr>
+      <dsp:style>
+        <a:lnRef idx="2">
+          <a:scrgbClr r="0" g="0" b="0"/>
+        </a:lnRef>
+        <a:fillRef idx="0">
+          <a:scrgbClr r="0" g="0" b="0"/>
+        </a:fillRef>
+        <a:effectRef idx="0">
+          <a:scrgbClr r="0" g="0" b="0"/>
+        </a:effectRef>
+        <a:fontRef idx="minor"/>
+      </dsp:style>
+    </dsp:sp>
+    <dsp:sp modelId="{6820EA68-FBDF-4D0B-9872-FF9739DB0084}">
+      <dsp:nvSpPr>
+        <dsp:cNvPr id="0" name=""/>
+        <dsp:cNvSpPr/>
+      </dsp:nvSpPr>
+      <dsp:spPr>
+        <a:xfrm>
+          <a:off x="525934" y="358015"/>
+          <a:ext cx="6918680" cy="716403"/>
+        </a:xfrm>
+        <a:prstGeom prst="rect">
+          <a:avLst/>
+        </a:prstGeom>
+        <a:gradFill rotWithShape="0">
+          <a:gsLst>
+            <a:gs pos="0">
+              <a:schemeClr val="accent2">
+                <a:hueOff val="0"/>
+                <a:satOff val="0"/>
+                <a:lumOff val="0"/>
+                <a:alphaOff val="0"/>
+                <a:satMod val="103000"/>
+                <a:lumMod val="102000"/>
+                <a:tint val="94000"/>
+              </a:schemeClr>
+            </a:gs>
+            <a:gs pos="50000">
+              <a:schemeClr val="accent2">
+                <a:hueOff val="0"/>
+                <a:satOff val="0"/>
+                <a:lumOff val="0"/>
+                <a:alphaOff val="0"/>
+                <a:satMod val="110000"/>
+                <a:lumMod val="100000"/>
+                <a:shade val="100000"/>
+              </a:schemeClr>
+            </a:gs>
+            <a:gs pos="100000">
+              <a:schemeClr val="accent2">
+                <a:hueOff val="0"/>
+                <a:satOff val="0"/>
+                <a:lumOff val="0"/>
+                <a:alphaOff val="0"/>
+                <a:lumMod val="99000"/>
+                <a:satMod val="120000"/>
+                <a:shade val="78000"/>
+              </a:schemeClr>
+            </a:gs>
+          </a:gsLst>
+          <a:lin ang="5400000" scaled="0"/>
+        </a:gradFill>
+        <a:ln>
+          <a:noFill/>
+        </a:ln>
+        <a:effectLst/>
+        <a:scene3d>
+          <a:camera prst="orthographicFront"/>
+          <a:lightRig rig="flat" dir="t"/>
+        </a:scene3d>
+        <a:sp3d prstMaterial="plastic">
+          <a:bevelT w="120900" h="88900"/>
+          <a:bevelB w="88900" h="31750" prst="angle"/>
+        </a:sp3d>
+      </dsp:spPr>
+      <dsp:style>
+        <a:lnRef idx="0">
+          <a:scrgbClr r="0" g="0" b="0"/>
+        </a:lnRef>
+        <a:fillRef idx="3">
+          <a:scrgbClr r="0" g="0" b="0"/>
+        </a:fillRef>
+        <a:effectRef idx="2">
+          <a:scrgbClr r="0" g="0" b="0"/>
+        </a:effectRef>
+        <a:fontRef idx="minor">
+          <a:schemeClr val="lt1"/>
+        </a:fontRef>
+      </dsp:style>
+      <dsp:txBody>
+        <a:bodyPr spcFirstLastPara="0" vert="horz" wrap="square" lIns="568646" tIns="40640" rIns="40640" bIns="40640" numCol="1" spcCol="1270" anchor="ctr" anchorCtr="0">
+          <a:noAutofit/>
+        </a:bodyPr>
+        <a:lstStyle/>
+        <a:p>
+          <a:pPr lvl="0" algn="l" defTabSz="711200">
+            <a:lnSpc>
+              <a:spcPct val="90000"/>
+            </a:lnSpc>
+            <a:spcBef>
+              <a:spcPct val="0"/>
+            </a:spcBef>
+            <a:spcAft>
+              <a:spcPct val="35000"/>
+            </a:spcAft>
+          </a:pPr>
+          <a:r>
+            <a:rPr lang="es-ES" altLang="en-US" sz="1600" b="1" i="1" kern="1200" dirty="0" err="1" smtClean="0">
+              <a:latin typeface="Times New Roman" panose="02020603050405020304" pitchFamily="18" charset="0"/>
+              <a:ea typeface="Calibri" panose="020F0502020204030204" pitchFamily="34" charset="0"/>
+              <a:cs typeface="Times New Roman" panose="02020603050405020304" pitchFamily="18" charset="0"/>
+            </a:rPr>
+            <a:t>C</a:t>
+          </a:r>
+          <a:r>
+            <a:rPr kumimoji="0" lang="es-ES" altLang="en-US" sz="1600" b="1" i="1" u="none" strike="noStrike" kern="1200" cap="none" normalizeH="0" baseline="0" dirty="0" err="1" smtClean="0">
+              <a:ln/>
+              <a:effectLst/>
+              <a:latin typeface="Times New Roman" panose="02020603050405020304" pitchFamily="18" charset="0"/>
+              <a:ea typeface="Calibri" panose="020F0502020204030204" pitchFamily="34" charset="0"/>
+              <a:cs typeface="Times New Roman" panose="02020603050405020304" pitchFamily="18" charset="0"/>
+            </a:rPr>
+            <a:t>lickthrough</a:t>
+          </a:r>
+          <a:r>
+            <a:rPr kumimoji="0" lang="es-ES" altLang="en-US" sz="1600" b="1" i="1" u="none" strike="noStrike" kern="1200" cap="none" normalizeH="0" baseline="0" dirty="0" smtClean="0">
+              <a:ln/>
+              <a:effectLst/>
+              <a:latin typeface="Times New Roman" panose="02020603050405020304" pitchFamily="18" charset="0"/>
+              <a:ea typeface="Calibri" panose="020F0502020204030204" pitchFamily="34" charset="0"/>
+              <a:cs typeface="Times New Roman" panose="02020603050405020304" pitchFamily="18" charset="0"/>
+            </a:rPr>
+            <a:t> </a:t>
+          </a:r>
+          <a:r>
+            <a:rPr kumimoji="0" lang="es-ES" altLang="en-US" sz="1600" b="1" i="1" u="none" strike="noStrike" kern="1200" cap="none" normalizeH="0" baseline="0" dirty="0" err="1" smtClean="0">
+              <a:ln/>
+              <a:effectLst/>
+              <a:latin typeface="Times New Roman" panose="02020603050405020304" pitchFamily="18" charset="0"/>
+              <a:ea typeface="Calibri" panose="020F0502020204030204" pitchFamily="34" charset="0"/>
+              <a:cs typeface="Times New Roman" panose="02020603050405020304" pitchFamily="18" charset="0"/>
+            </a:rPr>
+            <a:t>rate</a:t>
+          </a:r>
+          <a:r>
+            <a:rPr kumimoji="0" lang="es-ES" altLang="en-US" sz="1600" b="1" i="1" u="none" strike="noStrike" kern="1200" cap="none" normalizeH="0" baseline="0" dirty="0" smtClean="0">
+              <a:ln/>
+              <a:effectLst/>
+              <a:latin typeface="Times New Roman" panose="02020603050405020304" pitchFamily="18" charset="0"/>
+              <a:ea typeface="Calibri" panose="020F0502020204030204" pitchFamily="34" charset="0"/>
+              <a:cs typeface="Times New Roman" panose="02020603050405020304" pitchFamily="18" charset="0"/>
+            </a:rPr>
+            <a:t> : </a:t>
+          </a:r>
+          <a:r>
+            <a:rPr lang="es-ES" altLang="en-US" sz="1600" kern="1200" dirty="0" smtClean="0">
+              <a:latin typeface="Times New Roman" panose="02020603050405020304" pitchFamily="18" charset="0"/>
+              <a:ea typeface="Calibri" panose="020F0502020204030204" pitchFamily="34" charset="0"/>
+              <a:cs typeface="Times New Roman" panose="02020603050405020304" pitchFamily="18" charset="0"/>
+            </a:rPr>
+            <a:t>L</a:t>
+          </a:r>
+          <a:r>
+            <a:rPr kumimoji="0" lang="es-ES" altLang="en-US" sz="1600" b="0" i="0" u="none" strike="noStrike" kern="1200" cap="none" normalizeH="0" baseline="0" dirty="0" smtClean="0">
+              <a:ln/>
+              <a:effectLst/>
+              <a:latin typeface="Times New Roman" panose="02020603050405020304" pitchFamily="18" charset="0"/>
+              <a:ea typeface="Calibri" panose="020F0502020204030204" pitchFamily="34" charset="0"/>
+              <a:cs typeface="Times New Roman" panose="02020603050405020304" pitchFamily="18" charset="0"/>
+            </a:rPr>
+            <a:t>a proporción de sesiones de búsqueda en las que el usuario hizo clic en uno de los resultados mostrados (acción visita a página)</a:t>
+          </a:r>
+          <a:endParaRPr lang="en-GB" sz="1600" kern="1200" dirty="0"/>
+        </a:p>
+      </dsp:txBody>
+      <dsp:txXfrm>
+        <a:off x="525934" y="358015"/>
+        <a:ext cx="6918680" cy="716403"/>
+      </dsp:txXfrm>
+    </dsp:sp>
+    <dsp:sp modelId="{A51026E0-E85D-4B15-A141-8EB69135DC6F}">
+      <dsp:nvSpPr>
+        <dsp:cNvPr id="0" name=""/>
+        <dsp:cNvSpPr/>
+      </dsp:nvSpPr>
+      <dsp:spPr>
+        <a:xfrm>
+          <a:off x="78181" y="268465"/>
+          <a:ext cx="895504" cy="895504"/>
+        </a:xfrm>
+        <a:prstGeom prst="ellipse">
+          <a:avLst/>
+        </a:prstGeom>
+        <a:solidFill>
+          <a:schemeClr val="lt1">
+            <a:hueOff val="0"/>
+            <a:satOff val="0"/>
+            <a:lumOff val="0"/>
+            <a:alphaOff val="0"/>
+          </a:schemeClr>
+        </a:solidFill>
+        <a:ln w="6350" cap="flat" cmpd="sng" algn="ctr">
+          <a:solidFill>
+            <a:schemeClr val="accent2">
+              <a:hueOff val="0"/>
+              <a:satOff val="0"/>
+              <a:lumOff val="0"/>
+              <a:alphaOff val="0"/>
+            </a:schemeClr>
+          </a:solidFill>
+          <a:prstDash val="solid"/>
+          <a:miter lim="800000"/>
+        </a:ln>
+        <a:effectLst/>
+        <a:scene3d>
+          <a:camera prst="orthographicFront"/>
+          <a:lightRig rig="flat" dir="t"/>
+        </a:scene3d>
+        <a:sp3d z="190500" extrusionH="12700" prstMaterial="plastic">
+          <a:bevelT w="50800" h="50800"/>
+        </a:sp3d>
+      </dsp:spPr>
+      <dsp:style>
+        <a:lnRef idx="1">
+          <a:scrgbClr r="0" g="0" b="0"/>
+        </a:lnRef>
+        <a:fillRef idx="1">
+          <a:scrgbClr r="0" g="0" b="0"/>
+        </a:fillRef>
+        <a:effectRef idx="2">
+          <a:scrgbClr r="0" g="0" b="0"/>
+        </a:effectRef>
+        <a:fontRef idx="minor"/>
+      </dsp:style>
+    </dsp:sp>
+    <dsp:sp modelId="{24902786-1910-482F-8F3F-75B1C8E93ACC}">
+      <dsp:nvSpPr>
+        <dsp:cNvPr id="0" name=""/>
+        <dsp:cNvSpPr/>
+      </dsp:nvSpPr>
+      <dsp:spPr>
+        <a:xfrm>
+          <a:off x="936665" y="1432807"/>
+          <a:ext cx="6507949" cy="716403"/>
+        </a:xfrm>
+        <a:prstGeom prst="rect">
+          <a:avLst/>
+        </a:prstGeom>
+        <a:gradFill rotWithShape="0">
+          <a:gsLst>
+            <a:gs pos="0">
+              <a:schemeClr val="accent3">
+                <a:hueOff val="0"/>
+                <a:satOff val="0"/>
+                <a:lumOff val="0"/>
+                <a:alphaOff val="0"/>
+                <a:satMod val="103000"/>
+                <a:lumMod val="102000"/>
+                <a:tint val="94000"/>
+              </a:schemeClr>
+            </a:gs>
+            <a:gs pos="50000">
+              <a:schemeClr val="accent3">
+                <a:hueOff val="0"/>
+                <a:satOff val="0"/>
+                <a:lumOff val="0"/>
+                <a:alphaOff val="0"/>
+                <a:satMod val="110000"/>
+                <a:lumMod val="100000"/>
+                <a:shade val="100000"/>
+              </a:schemeClr>
+            </a:gs>
+            <a:gs pos="100000">
+              <a:schemeClr val="accent3">
+                <a:hueOff val="0"/>
+                <a:satOff val="0"/>
+                <a:lumOff val="0"/>
+                <a:alphaOff val="0"/>
+                <a:lumMod val="99000"/>
+                <a:satMod val="120000"/>
+                <a:shade val="78000"/>
+              </a:schemeClr>
+            </a:gs>
+          </a:gsLst>
+          <a:lin ang="5400000" scaled="0"/>
+        </a:gradFill>
+        <a:ln>
+          <a:noFill/>
+        </a:ln>
+        <a:effectLst/>
+        <a:scene3d>
+          <a:camera prst="orthographicFront"/>
+          <a:lightRig rig="flat" dir="t"/>
+        </a:scene3d>
+        <a:sp3d prstMaterial="plastic">
+          <a:bevelT w="120900" h="88900"/>
+          <a:bevelB w="88900" h="31750" prst="angle"/>
+        </a:sp3d>
+      </dsp:spPr>
+      <dsp:style>
+        <a:lnRef idx="0">
+          <a:scrgbClr r="0" g="0" b="0"/>
+        </a:lnRef>
+        <a:fillRef idx="3">
+          <a:scrgbClr r="0" g="0" b="0"/>
+        </a:fillRef>
+        <a:effectRef idx="2">
+          <a:scrgbClr r="0" g="0" b="0"/>
+        </a:effectRef>
+        <a:fontRef idx="minor">
+          <a:schemeClr val="lt1"/>
+        </a:fontRef>
+      </dsp:style>
+      <dsp:txBody>
+        <a:bodyPr spcFirstLastPara="0" vert="horz" wrap="square" lIns="568646" tIns="40640" rIns="40640" bIns="40640" numCol="1" spcCol="1270" anchor="ctr" anchorCtr="0">
+          <a:noAutofit/>
+        </a:bodyPr>
+        <a:lstStyle/>
+        <a:p>
+          <a:pPr lvl="0" algn="l" defTabSz="711200">
+            <a:lnSpc>
+              <a:spcPct val="90000"/>
+            </a:lnSpc>
+            <a:spcBef>
+              <a:spcPct val="0"/>
+            </a:spcBef>
+            <a:spcAft>
+              <a:spcPct val="35000"/>
+            </a:spcAft>
+          </a:pPr>
+          <a:r>
+            <a:rPr kumimoji="0" lang="es-ES" altLang="en-US" sz="1600" b="1" i="1" u="none" strike="noStrike" kern="1200" cap="none" normalizeH="0" baseline="0" smtClean="0">
+              <a:ln/>
+              <a:effectLst/>
+              <a:latin typeface="Times New Roman" panose="02020603050405020304" pitchFamily="18" charset="0"/>
+              <a:ea typeface="Calibri" panose="020F0502020204030204" pitchFamily="34" charset="0"/>
+              <a:cs typeface="Times New Roman" panose="02020603050405020304" pitchFamily="18" charset="0"/>
+            </a:rPr>
+            <a:t>People tend: </a:t>
+          </a:r>
+          <a:r>
+            <a:rPr kumimoji="0" lang="es-ES" altLang="en-US" sz="1600" u="none" strike="noStrike" kern="1200" cap="none" normalizeH="0" baseline="0" smtClean="0">
+              <a:ln/>
+              <a:effectLst/>
+              <a:latin typeface="Times New Roman" panose="02020603050405020304" pitchFamily="18" charset="0"/>
+              <a:ea typeface="Calibri" panose="020F0502020204030204" pitchFamily="34" charset="0"/>
+              <a:cs typeface="Times New Roman" panose="02020603050405020304" pitchFamily="18" charset="0"/>
+            </a:rPr>
+            <a:t>Resultados de las búsquedas que los usuarios tienden a consultar primero</a:t>
+          </a:r>
+          <a:endParaRPr lang="en-GB" sz="1600" kern="1200" dirty="0"/>
+        </a:p>
+      </dsp:txBody>
+      <dsp:txXfrm>
+        <a:off x="936665" y="1432807"/>
+        <a:ext cx="6507949" cy="716403"/>
+      </dsp:txXfrm>
+    </dsp:sp>
+    <dsp:sp modelId="{31A0EA81-C45A-49BC-800D-57770720673A}">
+      <dsp:nvSpPr>
+        <dsp:cNvPr id="0" name=""/>
+        <dsp:cNvSpPr/>
+      </dsp:nvSpPr>
+      <dsp:spPr>
+        <a:xfrm>
+          <a:off x="488912" y="1343257"/>
+          <a:ext cx="895504" cy="895504"/>
+        </a:xfrm>
+        <a:prstGeom prst="ellipse">
+          <a:avLst/>
+        </a:prstGeom>
+        <a:solidFill>
+          <a:schemeClr val="lt1">
+            <a:hueOff val="0"/>
+            <a:satOff val="0"/>
+            <a:lumOff val="0"/>
+            <a:alphaOff val="0"/>
+          </a:schemeClr>
+        </a:solidFill>
+        <a:ln w="6350" cap="flat" cmpd="sng" algn="ctr">
+          <a:solidFill>
+            <a:schemeClr val="accent3">
+              <a:hueOff val="0"/>
+              <a:satOff val="0"/>
+              <a:lumOff val="0"/>
+              <a:alphaOff val="0"/>
+            </a:schemeClr>
+          </a:solidFill>
+          <a:prstDash val="solid"/>
+          <a:miter lim="800000"/>
+        </a:ln>
+        <a:effectLst/>
+        <a:scene3d>
+          <a:camera prst="orthographicFront"/>
+          <a:lightRig rig="flat" dir="t"/>
+        </a:scene3d>
+        <a:sp3d z="190500" extrusionH="12700" prstMaterial="plastic">
+          <a:bevelT w="50800" h="50800"/>
+        </a:sp3d>
+      </dsp:spPr>
+      <dsp:style>
+        <a:lnRef idx="1">
+          <a:scrgbClr r="0" g="0" b="0"/>
+        </a:lnRef>
+        <a:fillRef idx="1">
+          <a:scrgbClr r="0" g="0" b="0"/>
+        </a:fillRef>
+        <a:effectRef idx="2">
+          <a:scrgbClr r="0" g="0" b="0"/>
+        </a:effectRef>
+        <a:fontRef idx="minor"/>
+      </dsp:style>
+    </dsp:sp>
+    <dsp:sp modelId="{A3B583F8-DEC5-40ED-B43A-2FF504642498}">
+      <dsp:nvSpPr>
+        <dsp:cNvPr id="0" name=""/>
+        <dsp:cNvSpPr/>
+      </dsp:nvSpPr>
+      <dsp:spPr>
+        <a:xfrm>
+          <a:off x="936665" y="2507600"/>
+          <a:ext cx="6507949" cy="716403"/>
+        </a:xfrm>
+        <a:prstGeom prst="rect">
+          <a:avLst/>
+        </a:prstGeom>
+        <a:gradFill rotWithShape="0">
+          <a:gsLst>
+            <a:gs pos="0">
+              <a:schemeClr val="accent4">
+                <a:hueOff val="0"/>
+                <a:satOff val="0"/>
+                <a:lumOff val="0"/>
+                <a:alphaOff val="0"/>
+                <a:satMod val="103000"/>
+                <a:lumMod val="102000"/>
+                <a:tint val="94000"/>
+              </a:schemeClr>
+            </a:gs>
+            <a:gs pos="50000">
+              <a:schemeClr val="accent4">
+                <a:hueOff val="0"/>
+                <a:satOff val="0"/>
+                <a:lumOff val="0"/>
+                <a:alphaOff val="0"/>
+                <a:satMod val="110000"/>
+                <a:lumMod val="100000"/>
+                <a:shade val="100000"/>
+              </a:schemeClr>
+            </a:gs>
+            <a:gs pos="100000">
+              <a:schemeClr val="accent4">
+                <a:hueOff val="0"/>
+                <a:satOff val="0"/>
+                <a:lumOff val="0"/>
+                <a:alphaOff val="0"/>
+                <a:lumMod val="99000"/>
+                <a:satMod val="120000"/>
+                <a:shade val="78000"/>
+              </a:schemeClr>
+            </a:gs>
+          </a:gsLst>
+          <a:lin ang="5400000" scaled="0"/>
+        </a:gradFill>
+        <a:ln>
+          <a:noFill/>
+        </a:ln>
+        <a:effectLst/>
+        <a:scene3d>
+          <a:camera prst="orthographicFront"/>
+          <a:lightRig rig="flat" dir="t"/>
+        </a:scene3d>
+        <a:sp3d prstMaterial="plastic">
+          <a:bevelT w="120900" h="88900"/>
+          <a:bevelB w="88900" h="31750" prst="angle"/>
+        </a:sp3d>
+      </dsp:spPr>
+      <dsp:style>
+        <a:lnRef idx="0">
+          <a:scrgbClr r="0" g="0" b="0"/>
+        </a:lnRef>
+        <a:fillRef idx="3">
+          <a:scrgbClr r="0" g="0" b="0"/>
+        </a:fillRef>
+        <a:effectRef idx="2">
+          <a:scrgbClr r="0" g="0" b="0"/>
+        </a:effectRef>
+        <a:fontRef idx="minor">
+          <a:schemeClr val="lt1"/>
+        </a:fontRef>
+      </dsp:style>
+      <dsp:txBody>
+        <a:bodyPr spcFirstLastPara="0" vert="horz" wrap="square" lIns="568646" tIns="40640" rIns="40640" bIns="40640" numCol="1" spcCol="1270" anchor="ctr" anchorCtr="0">
+          <a:noAutofit/>
+        </a:bodyPr>
+        <a:lstStyle/>
+        <a:p>
+          <a:pPr lvl="0" algn="l" defTabSz="711200">
+            <a:lnSpc>
+              <a:spcPct val="90000"/>
+            </a:lnSpc>
+            <a:spcBef>
+              <a:spcPct val="0"/>
+            </a:spcBef>
+            <a:spcAft>
+              <a:spcPct val="35000"/>
+            </a:spcAft>
+          </a:pPr>
+          <a:r>
+            <a:rPr lang="es-ES" altLang="en-US" sz="1600" b="1" i="1" kern="1200" smtClean="0">
+              <a:latin typeface="Times New Roman" panose="02020603050405020304" pitchFamily="18" charset="0"/>
+              <a:cs typeface="Times New Roman" panose="02020603050405020304" pitchFamily="18" charset="0"/>
+            </a:rPr>
+            <a:t>Zero results rate: </a:t>
+          </a:r>
+          <a:r>
+            <a:rPr lang="es-ES" altLang="en-US" sz="1600" kern="1200" smtClean="0">
+              <a:latin typeface="Times New Roman" panose="02020603050405020304" pitchFamily="18" charset="0"/>
+              <a:cs typeface="Times New Roman" panose="02020603050405020304" pitchFamily="18" charset="0"/>
+            </a:rPr>
+            <a:t>La proporción de búsquedas que arrojaron 0 resultados</a:t>
+          </a:r>
+          <a:endParaRPr lang="en-GB" sz="1600" kern="1200" dirty="0"/>
+        </a:p>
+      </dsp:txBody>
+      <dsp:txXfrm>
+        <a:off x="936665" y="2507600"/>
+        <a:ext cx="6507949" cy="716403"/>
+      </dsp:txXfrm>
+    </dsp:sp>
+    <dsp:sp modelId="{640CF930-56E0-4C26-ACE6-4713420232E9}">
+      <dsp:nvSpPr>
+        <dsp:cNvPr id="0" name=""/>
+        <dsp:cNvSpPr/>
+      </dsp:nvSpPr>
+      <dsp:spPr>
+        <a:xfrm>
+          <a:off x="488912" y="2418049"/>
+          <a:ext cx="895504" cy="895504"/>
+        </a:xfrm>
+        <a:prstGeom prst="ellipse">
+          <a:avLst/>
+        </a:prstGeom>
+        <a:solidFill>
+          <a:schemeClr val="lt1">
+            <a:hueOff val="0"/>
+            <a:satOff val="0"/>
+            <a:lumOff val="0"/>
+            <a:alphaOff val="0"/>
+          </a:schemeClr>
+        </a:solidFill>
+        <a:ln w="6350" cap="flat" cmpd="sng" algn="ctr">
+          <a:solidFill>
+            <a:schemeClr val="accent4">
+              <a:hueOff val="0"/>
+              <a:satOff val="0"/>
+              <a:lumOff val="0"/>
+              <a:alphaOff val="0"/>
+            </a:schemeClr>
+          </a:solidFill>
+          <a:prstDash val="solid"/>
+          <a:miter lim="800000"/>
+        </a:ln>
+        <a:effectLst/>
+        <a:scene3d>
+          <a:camera prst="orthographicFront"/>
+          <a:lightRig rig="flat" dir="t"/>
+        </a:scene3d>
+        <a:sp3d z="190500" extrusionH="12700" prstMaterial="plastic">
+          <a:bevelT w="50800" h="50800"/>
+        </a:sp3d>
+      </dsp:spPr>
+      <dsp:style>
+        <a:lnRef idx="1">
+          <a:scrgbClr r="0" g="0" b="0"/>
+        </a:lnRef>
+        <a:fillRef idx="1">
+          <a:scrgbClr r="0" g="0" b="0"/>
+        </a:fillRef>
+        <a:effectRef idx="2">
+          <a:scrgbClr r="0" g="0" b="0"/>
+        </a:effectRef>
+        <a:fontRef idx="minor"/>
+      </dsp:style>
+    </dsp:sp>
+    <dsp:sp modelId="{CB6297F0-45BD-4B83-9AEE-2F0CE213708E}">
+      <dsp:nvSpPr>
+        <dsp:cNvPr id="0" name=""/>
+        <dsp:cNvSpPr/>
+      </dsp:nvSpPr>
+      <dsp:spPr>
+        <a:xfrm>
+          <a:off x="525934" y="3582392"/>
+          <a:ext cx="6918680" cy="716403"/>
+        </a:xfrm>
+        <a:prstGeom prst="rect">
+          <a:avLst/>
+        </a:prstGeom>
+        <a:gradFill rotWithShape="0">
+          <a:gsLst>
+            <a:gs pos="0">
+              <a:schemeClr val="accent5">
+                <a:hueOff val="0"/>
+                <a:satOff val="0"/>
+                <a:lumOff val="0"/>
+                <a:alphaOff val="0"/>
+                <a:satMod val="103000"/>
+                <a:lumMod val="102000"/>
+                <a:tint val="94000"/>
+              </a:schemeClr>
+            </a:gs>
+            <a:gs pos="50000">
+              <a:schemeClr val="accent5">
+                <a:hueOff val="0"/>
+                <a:satOff val="0"/>
+                <a:lumOff val="0"/>
+                <a:alphaOff val="0"/>
+                <a:satMod val="110000"/>
+                <a:lumMod val="100000"/>
+                <a:shade val="100000"/>
+              </a:schemeClr>
+            </a:gs>
+            <a:gs pos="100000">
+              <a:schemeClr val="accent5">
+                <a:hueOff val="0"/>
+                <a:satOff val="0"/>
+                <a:lumOff val="0"/>
+                <a:alphaOff val="0"/>
+                <a:lumMod val="99000"/>
+                <a:satMod val="120000"/>
+                <a:shade val="78000"/>
+              </a:schemeClr>
+            </a:gs>
+          </a:gsLst>
+          <a:lin ang="5400000" scaled="0"/>
+        </a:gradFill>
+        <a:ln>
+          <a:noFill/>
+        </a:ln>
+        <a:effectLst/>
+        <a:scene3d>
+          <a:camera prst="orthographicFront"/>
+          <a:lightRig rig="flat" dir="t"/>
+        </a:scene3d>
+        <a:sp3d prstMaterial="plastic">
+          <a:bevelT w="120900" h="88900"/>
+          <a:bevelB w="88900" h="31750" prst="angle"/>
+        </a:sp3d>
+      </dsp:spPr>
+      <dsp:style>
+        <a:lnRef idx="0">
+          <a:scrgbClr r="0" g="0" b="0"/>
+        </a:lnRef>
+        <a:fillRef idx="3">
+          <a:scrgbClr r="0" g="0" b="0"/>
+        </a:fillRef>
+        <a:effectRef idx="2">
+          <a:scrgbClr r="0" g="0" b="0"/>
+        </a:effectRef>
+        <a:fontRef idx="minor">
+          <a:schemeClr val="lt1"/>
+        </a:fontRef>
+      </dsp:style>
+      <dsp:txBody>
+        <a:bodyPr spcFirstLastPara="0" vert="horz" wrap="square" lIns="568646" tIns="40640" rIns="40640" bIns="40640" numCol="1" spcCol="1270" anchor="ctr" anchorCtr="0">
+          <a:noAutofit/>
+        </a:bodyPr>
+        <a:lstStyle/>
+        <a:p>
+          <a:pPr lvl="0" algn="l" defTabSz="711200">
+            <a:lnSpc>
+              <a:spcPct val="90000"/>
+            </a:lnSpc>
+            <a:spcBef>
+              <a:spcPct val="0"/>
+            </a:spcBef>
+            <a:spcAft>
+              <a:spcPct val="35000"/>
+            </a:spcAft>
+          </a:pPr>
+          <a:r>
+            <a:rPr lang="es-ES" altLang="en-US" sz="1600" b="1" i="1" kern="1200" dirty="0" smtClean="0">
+              <a:latin typeface="Times New Roman" panose="02020603050405020304" pitchFamily="18" charset="0"/>
+              <a:cs typeface="Times New Roman" panose="02020603050405020304" pitchFamily="18" charset="0"/>
+            </a:rPr>
+            <a:t>Session Length: </a:t>
+          </a:r>
+          <a:r>
+            <a:rPr lang="es-ES" altLang="en-US" sz="1600" kern="1200" dirty="0" smtClean="0">
+              <a:latin typeface="Times New Roman" panose="02020603050405020304" pitchFamily="18" charset="0"/>
+              <a:cs typeface="Times New Roman" panose="02020603050405020304" pitchFamily="18" charset="0"/>
+            </a:rPr>
+            <a:t>El tiempo entre el primer evento y el último evento en una sesión</a:t>
+          </a:r>
+          <a:endParaRPr lang="en-GB" sz="1600" kern="1200" dirty="0"/>
+        </a:p>
+      </dsp:txBody>
+      <dsp:txXfrm>
+        <a:off x="525934" y="3582392"/>
+        <a:ext cx="6918680" cy="716403"/>
+      </dsp:txXfrm>
+    </dsp:sp>
+    <dsp:sp modelId="{62633F18-3E60-424E-BB39-0B4EE4B65769}">
+      <dsp:nvSpPr>
+        <dsp:cNvPr id="0" name=""/>
+        <dsp:cNvSpPr/>
+      </dsp:nvSpPr>
+      <dsp:spPr>
+        <a:xfrm>
+          <a:off x="78181" y="3492841"/>
+          <a:ext cx="895504" cy="895504"/>
+        </a:xfrm>
+        <a:prstGeom prst="ellipse">
+          <a:avLst/>
+        </a:prstGeom>
+        <a:solidFill>
+          <a:schemeClr val="lt1">
+            <a:hueOff val="0"/>
+            <a:satOff val="0"/>
+            <a:lumOff val="0"/>
+            <a:alphaOff val="0"/>
+          </a:schemeClr>
+        </a:solidFill>
+        <a:ln w="6350" cap="flat" cmpd="sng" algn="ctr">
+          <a:solidFill>
+            <a:schemeClr val="accent5">
+              <a:hueOff val="0"/>
+              <a:satOff val="0"/>
+              <a:lumOff val="0"/>
+              <a:alphaOff val="0"/>
+            </a:schemeClr>
+          </a:solidFill>
+          <a:prstDash val="solid"/>
+          <a:miter lim="800000"/>
+        </a:ln>
+        <a:effectLst/>
+        <a:scene3d>
+          <a:camera prst="orthographicFront"/>
+          <a:lightRig rig="flat" dir="t"/>
+        </a:scene3d>
+        <a:sp3d z="190500" extrusionH="12700" prstMaterial="plastic">
+          <a:bevelT w="50800" h="50800"/>
+        </a:sp3d>
+      </dsp:spPr>
+      <dsp:style>
+        <a:lnRef idx="1">
+          <a:scrgbClr r="0" g="0" b="0"/>
+        </a:lnRef>
+        <a:fillRef idx="1">
+          <a:scrgbClr r="0" g="0" b="0"/>
+        </a:fillRef>
+        <a:effectRef idx="2">
+          <a:scrgbClr r="0" g="0" b="0"/>
+        </a:effectRef>
+        <a:fontRef idx="minor"/>
+      </dsp:style>
+    </dsp:sp>
   </dsp:spTree>
 </dsp:drawing>
 </file>
@@ -4052,7 +4849,7 @@
           <a:p>
             <a:fld id="{21569ECA-7EE9-4AE4-A059-87748C91BA28}" type="datetimeFigureOut">
               <a:rPr lang="en-GB" smtClean="0"/>
-              <a:t>27/02/2022</a:t>
+              <a:t>28/02/2022</a:t>
             </a:fld>
             <a:endParaRPr lang="en-GB"/>
           </a:p>
@@ -4222,7 +5019,7 @@
           <a:p>
             <a:fld id="{21569ECA-7EE9-4AE4-A059-87748C91BA28}" type="datetimeFigureOut">
               <a:rPr lang="en-GB" smtClean="0"/>
-              <a:t>27/02/2022</a:t>
+              <a:t>28/02/2022</a:t>
             </a:fld>
             <a:endParaRPr lang="en-GB"/>
           </a:p>
@@ -4402,7 +5199,7 @@
           <a:p>
             <a:fld id="{21569ECA-7EE9-4AE4-A059-87748C91BA28}" type="datetimeFigureOut">
               <a:rPr lang="en-GB" smtClean="0"/>
-              <a:t>27/02/2022</a:t>
+              <a:t>28/02/2022</a:t>
             </a:fld>
             <a:endParaRPr lang="en-GB"/>
           </a:p>
@@ -4572,7 +5369,7 @@
           <a:p>
             <a:fld id="{21569ECA-7EE9-4AE4-A059-87748C91BA28}" type="datetimeFigureOut">
               <a:rPr lang="en-GB" smtClean="0"/>
-              <a:t>27/02/2022</a:t>
+              <a:t>28/02/2022</a:t>
             </a:fld>
             <a:endParaRPr lang="en-GB"/>
           </a:p>
@@ -4818,7 +5615,7 @@
           <a:p>
             <a:fld id="{21569ECA-7EE9-4AE4-A059-87748C91BA28}" type="datetimeFigureOut">
               <a:rPr lang="en-GB" smtClean="0"/>
-              <a:t>27/02/2022</a:t>
+              <a:t>28/02/2022</a:t>
             </a:fld>
             <a:endParaRPr lang="en-GB"/>
           </a:p>
@@ -5050,7 +5847,7 @@
           <a:p>
             <a:fld id="{21569ECA-7EE9-4AE4-A059-87748C91BA28}" type="datetimeFigureOut">
               <a:rPr lang="en-GB" smtClean="0"/>
-              <a:t>27/02/2022</a:t>
+              <a:t>28/02/2022</a:t>
             </a:fld>
             <a:endParaRPr lang="en-GB"/>
           </a:p>
@@ -5417,7 +6214,7 @@
           <a:p>
             <a:fld id="{21569ECA-7EE9-4AE4-A059-87748C91BA28}" type="datetimeFigureOut">
               <a:rPr lang="en-GB" smtClean="0"/>
-              <a:t>27/02/2022</a:t>
+              <a:t>28/02/2022</a:t>
             </a:fld>
             <a:endParaRPr lang="en-GB"/>
           </a:p>
@@ -5535,7 +6332,7 @@
           <a:p>
             <a:fld id="{21569ECA-7EE9-4AE4-A059-87748C91BA28}" type="datetimeFigureOut">
               <a:rPr lang="en-GB" smtClean="0"/>
-              <a:t>27/02/2022</a:t>
+              <a:t>28/02/2022</a:t>
             </a:fld>
             <a:endParaRPr lang="en-GB"/>
           </a:p>
@@ -5630,7 +6427,7 @@
           <a:p>
             <a:fld id="{21569ECA-7EE9-4AE4-A059-87748C91BA28}" type="datetimeFigureOut">
               <a:rPr lang="en-GB" smtClean="0"/>
-              <a:t>27/02/2022</a:t>
+              <a:t>28/02/2022</a:t>
             </a:fld>
             <a:endParaRPr lang="en-GB"/>
           </a:p>
@@ -5907,7 +6704,7 @@
           <a:p>
             <a:fld id="{21569ECA-7EE9-4AE4-A059-87748C91BA28}" type="datetimeFigureOut">
               <a:rPr lang="en-GB" smtClean="0"/>
-              <a:t>27/02/2022</a:t>
+              <a:t>28/02/2022</a:t>
             </a:fld>
             <a:endParaRPr lang="en-GB"/>
           </a:p>
@@ -6160,7 +6957,7 @@
           <a:p>
             <a:fld id="{21569ECA-7EE9-4AE4-A059-87748C91BA28}" type="datetimeFigureOut">
               <a:rPr lang="en-GB" smtClean="0"/>
-              <a:t>27/02/2022</a:t>
+              <a:t>28/02/2022</a:t>
             </a:fld>
             <a:endParaRPr lang="en-GB"/>
           </a:p>
@@ -6373,7 +7170,7 @@
           <a:p>
             <a:fld id="{21569ECA-7EE9-4AE4-A059-87748C91BA28}" type="datetimeFigureOut">
               <a:rPr lang="en-GB" smtClean="0"/>
-              <a:t>27/02/2022</a:t>
+              <a:t>28/02/2022</a:t>
             </a:fld>
             <a:endParaRPr lang="en-GB"/>
           </a:p>
@@ -8149,6 +8946,329 @@
       </p:grpSpPr>
       <p:pic>
         <p:nvPicPr>
+          <p:cNvPr id="8" name="Imagen 7"/>
+          <p:cNvPicPr>
+            <a:picLocks noChangeAspect="1"/>
+          </p:cNvPicPr>
+          <p:nvPr/>
+        </p:nvPicPr>
+        <p:blipFill>
+          <a:blip r:embed="rId2"/>
+          <a:stretch>
+            <a:fillRect/>
+          </a:stretch>
+        </p:blipFill>
+        <p:spPr>
+          <a:xfrm>
+            <a:off x="0" y="-73890"/>
+            <a:ext cx="12192000" cy="1182254"/>
+          </a:xfrm>
+          <a:prstGeom prst="rect">
+            <a:avLst/>
+          </a:prstGeom>
+        </p:spPr>
+      </p:pic>
+      <p:sp>
+        <p:nvSpPr>
+          <p:cNvPr id="5" name="Rectangle 2"/>
+          <p:cNvSpPr>
+            <a:spLocks noChangeArrowheads="1"/>
+          </p:cNvSpPr>
+          <p:nvPr/>
+        </p:nvSpPr>
+        <p:spPr bwMode="auto">
+          <a:xfrm>
+            <a:off x="2004291" y="2634735"/>
+            <a:ext cx="8820727" cy="1754326"/>
+          </a:xfrm>
+          <a:prstGeom prst="rect">
+            <a:avLst/>
+          </a:prstGeom>
+          <a:noFill/>
+          <a:ln>
+            <a:noFill/>
+          </a:ln>
+          <a:effectLst/>
+          <a:extLst>
+            <a:ext uri="{909E8E84-426E-40DD-AFC4-6F175D3DCCD1}">
+              <a14:hiddenFill xmlns:a14="http://schemas.microsoft.com/office/drawing/2010/main">
+                <a:solidFill>
+                  <a:schemeClr val="accent1"/>
+                </a:solidFill>
+              </a14:hiddenFill>
+            </a:ext>
+            <a:ext uri="{91240B29-F687-4F45-9708-019B960494DF}">
+              <a14:hiddenLine xmlns:a14="http://schemas.microsoft.com/office/drawing/2010/main" w="9525">
+                <a:solidFill>
+                  <a:schemeClr val="tx1"/>
+                </a:solidFill>
+                <a:miter lim="800000"/>
+                <a:headEnd/>
+                <a:tailEnd/>
+              </a14:hiddenLine>
+            </a:ext>
+            <a:ext uri="{AF507438-7753-43E0-B8FC-AC1667EBCBE1}">
+              <a14:hiddenEffects xmlns:a14="http://schemas.microsoft.com/office/drawing/2010/main">
+                <a:effectLst>
+                  <a:outerShdw dist="35921" dir="2700000" algn="ctr" rotWithShape="0">
+                    <a:schemeClr val="bg2"/>
+                  </a:outerShdw>
+                </a:effectLst>
+              </a14:hiddenEffects>
+            </a:ext>
+          </a:extLst>
+        </p:spPr>
+        <p:txBody>
+          <a:bodyPr vert="horz" wrap="square" lIns="91440" tIns="45720" rIns="91440" bIns="45720" numCol="1" anchor="ctr" anchorCtr="0" compatLnSpc="1">
+            <a:prstTxWarp prst="textNoShape">
+              <a:avLst/>
+            </a:prstTxWarp>
+            <a:spAutoFit/>
+          </a:bodyPr>
+          <a:lstStyle/>
+          <a:p>
+            <a:pPr marL="285750" lvl="0" indent="-285750">
+              <a:buFont typeface="Wingdings" panose="05000000000000000000" pitchFamily="2" charset="2"/>
+              <a:buChar char="§"/>
+            </a:pPr>
+            <a:r>
+              <a:rPr lang="es-ES" dirty="0" smtClean="0"/>
+              <a:t>El grupo “A” presento mayor interés en la información ofrecida en la web que el grupo “B”</a:t>
+            </a:r>
+          </a:p>
+          <a:p>
+            <a:pPr marL="285750" lvl="0" indent="-285750">
+              <a:buFont typeface="Wingdings" panose="05000000000000000000" pitchFamily="2" charset="2"/>
+              <a:buChar char="§"/>
+            </a:pPr>
+            <a:r>
+              <a:rPr lang="es-ES" dirty="0" smtClean="0"/>
+              <a:t>El 87% de las sesiones que tuvieron visitas a páginas seleccionaron como primera opción entre las 3 primeras opciones presentadas en la búsqueda </a:t>
+            </a:r>
+          </a:p>
+          <a:p>
+            <a:pPr marL="285750" lvl="0" indent="-285750">
+              <a:buFont typeface="Wingdings" panose="05000000000000000000" pitchFamily="2" charset="2"/>
+              <a:buChar char="§"/>
+            </a:pPr>
+            <a:r>
+              <a:rPr lang="es-ES" dirty="0" smtClean="0"/>
+              <a:t>El interés del grupo “A” en realizar visitas a páginas cayo un 35% a partir del cuarto día, sin embargo el grupo “B” incremento su interés un 29% a partir del 4 día</a:t>
+            </a:r>
+            <a:endParaRPr lang="en-GB" dirty="0"/>
+          </a:p>
+        </p:txBody>
+      </p:sp>
+      <p:pic>
+        <p:nvPicPr>
+          <p:cNvPr id="2053" name="Picture 5" descr="https://www.adevinta.com/app/uploads/sites/2/2022/02/adevinta-spain-logo-new.png"/>
+          <p:cNvPicPr>
+            <a:picLocks noChangeAspect="1" noChangeArrowheads="1"/>
+          </p:cNvPicPr>
+          <p:nvPr/>
+        </p:nvPicPr>
+        <p:blipFill>
+          <a:blip r:embed="rId3" cstate="print">
+            <a:extLst>
+              <a:ext uri="{28A0092B-C50C-407E-A947-70E740481C1C}">
+                <a14:useLocalDpi xmlns:a14="http://schemas.microsoft.com/office/drawing/2010/main" val="0"/>
+              </a:ext>
+            </a:extLst>
+          </a:blip>
+          <a:srcRect/>
+          <a:stretch>
+            <a:fillRect/>
+          </a:stretch>
+        </p:blipFill>
+        <p:spPr bwMode="auto">
+          <a:xfrm>
+            <a:off x="120074" y="165753"/>
+            <a:ext cx="1533236" cy="647763"/>
+          </a:xfrm>
+          <a:prstGeom prst="rect">
+            <a:avLst/>
+          </a:prstGeom>
+          <a:noFill/>
+          <a:extLst>
+            <a:ext uri="{909E8E84-426E-40DD-AFC4-6F175D3DCCD1}">
+              <a14:hiddenFill xmlns:a14="http://schemas.microsoft.com/office/drawing/2010/main">
+                <a:solidFill>
+                  <a:srgbClr val="FFFFFF"/>
+                </a:solidFill>
+              </a14:hiddenFill>
+            </a:ext>
+          </a:extLst>
+        </p:spPr>
+      </p:pic>
+      <p:sp>
+        <p:nvSpPr>
+          <p:cNvPr id="11" name="Título 1"/>
+          <p:cNvSpPr>
+            <a:spLocks noGrp="1"/>
+          </p:cNvSpPr>
+          <p:nvPr>
+            <p:ph type="title"/>
+          </p:nvPr>
+        </p:nvSpPr>
+        <p:spPr>
+          <a:xfrm>
+            <a:off x="0" y="-17384"/>
+            <a:ext cx="12191999" cy="1325563"/>
+          </a:xfrm>
+        </p:spPr>
+        <p:txBody>
+          <a:bodyPr>
+            <a:normAutofit/>
+          </a:bodyPr>
+          <a:lstStyle/>
+          <a:p>
+            <a:pPr lvl="0" algn="ctr"/>
+            <a:r>
+              <a:rPr kumimoji="0" lang="es-ES" altLang="en-US" sz="3600" b="1" u="none" strike="noStrike" cap="none" normalizeH="0" baseline="0" dirty="0" smtClean="0">
+                <a:ln/>
+                <a:solidFill>
+                  <a:schemeClr val="bg1"/>
+                </a:solidFill>
+                <a:effectLst/>
+                <a:latin typeface="Arial" panose="020B0604020202020204" pitchFamily="34" charset="0"/>
+                <a:ea typeface="Calibri" panose="020F0502020204030204" pitchFamily="34" charset="0"/>
+                <a:cs typeface="Arial" panose="020B0604020202020204" pitchFamily="34" charset="0"/>
+              </a:rPr>
+              <a:t>Conclusión</a:t>
+            </a:r>
+            <a:endParaRPr kumimoji="0" lang="es-ES" altLang="en-US" sz="3600" b="1" u="none" strike="noStrike" cap="none" normalizeH="0" baseline="0" dirty="0" smtClean="0">
+              <a:ln/>
+              <a:solidFill>
+                <a:schemeClr val="bg1"/>
+              </a:solidFill>
+              <a:effectLst/>
+              <a:latin typeface="Arial" panose="020B0604020202020204" pitchFamily="34" charset="0"/>
+              <a:ea typeface="Calibri" panose="020F0502020204030204" pitchFamily="34" charset="0"/>
+              <a:cs typeface="Arial" panose="020B0604020202020204" pitchFamily="34" charset="0"/>
+            </a:endParaRPr>
+          </a:p>
+        </p:txBody>
+      </p:sp>
+      <p:sp>
+        <p:nvSpPr>
+          <p:cNvPr id="2" name="Rectangle 2"/>
+          <p:cNvSpPr>
+            <a:spLocks noChangeArrowheads="1"/>
+          </p:cNvSpPr>
+          <p:nvPr/>
+        </p:nvSpPr>
+        <p:spPr bwMode="auto">
+          <a:xfrm>
+            <a:off x="0" y="0"/>
+            <a:ext cx="12192000" cy="457200"/>
+          </a:xfrm>
+          <a:prstGeom prst="rect">
+            <a:avLst/>
+          </a:prstGeom>
+          <a:noFill/>
+          <a:ln>
+            <a:noFill/>
+          </a:ln>
+          <a:effectLst/>
+          <a:extLst>
+            <a:ext uri="{909E8E84-426E-40DD-AFC4-6F175D3DCCD1}">
+              <a14:hiddenFill xmlns:a14="http://schemas.microsoft.com/office/drawing/2010/main">
+                <a:solidFill>
+                  <a:schemeClr val="accent1"/>
+                </a:solidFill>
+              </a14:hiddenFill>
+            </a:ext>
+            <a:ext uri="{91240B29-F687-4F45-9708-019B960494DF}">
+              <a14:hiddenLine xmlns:a14="http://schemas.microsoft.com/office/drawing/2010/main" w="9525">
+                <a:solidFill>
+                  <a:schemeClr val="tx1"/>
+                </a:solidFill>
+                <a:miter lim="800000"/>
+                <a:headEnd/>
+                <a:tailEnd/>
+              </a14:hiddenLine>
+            </a:ext>
+            <a:ext uri="{AF507438-7753-43E0-B8FC-AC1667EBCBE1}">
+              <a14:hiddenEffects xmlns:a14="http://schemas.microsoft.com/office/drawing/2010/main">
+                <a:effectLst>
+                  <a:outerShdw dist="35921" dir="2700000" algn="ctr" rotWithShape="0">
+                    <a:schemeClr val="bg2"/>
+                  </a:outerShdw>
+                </a:effectLst>
+              </a14:hiddenEffects>
+            </a:ext>
+          </a:extLst>
+        </p:spPr>
+        <p:txBody>
+          <a:bodyPr vert="horz" wrap="none" lIns="91440" tIns="45720" rIns="91440" bIns="45720" numCol="1" anchor="ctr" anchorCtr="0" compatLnSpc="1">
+            <a:prstTxWarp prst="textNoShape">
+              <a:avLst/>
+            </a:prstTxWarp>
+            <a:spAutoFit/>
+          </a:bodyPr>
+          <a:lstStyle/>
+          <a:p>
+            <a:pPr marL="0" marR="0" lvl="0" indent="0" algn="just" defTabSz="914400" rtl="0" eaLnBrk="0" fontAlgn="base" latinLnBrk="0" hangingPunct="0">
+              <a:lnSpc>
+                <a:spcPct val="100000"/>
+              </a:lnSpc>
+              <a:spcBef>
+                <a:spcPct val="0"/>
+              </a:spcBef>
+              <a:spcAft>
+                <a:spcPct val="0"/>
+              </a:spcAft>
+              <a:buClrTx/>
+              <a:buSzTx/>
+              <a:buFontTx/>
+              <a:buNone/>
+              <a:tabLst/>
+            </a:pPr>
+            <a:endParaRPr kumimoji="0" lang="en-GB" altLang="en-US" sz="1800" b="0" i="0" u="none" strike="noStrike" cap="none" normalizeH="0" baseline="0" smtClean="0">
+              <a:ln>
+                <a:noFill/>
+              </a:ln>
+              <a:solidFill>
+                <a:schemeClr val="tx1"/>
+              </a:solidFill>
+              <a:effectLst/>
+              <a:latin typeface="Arial" panose="020B0604020202020204" pitchFamily="34" charset="0"/>
+            </a:endParaRPr>
+          </a:p>
+        </p:txBody>
+      </p:sp>
+    </p:spTree>
+    <p:extLst>
+      <p:ext uri="{BB962C8B-B14F-4D97-AF65-F5344CB8AC3E}">
+        <p14:creationId xmlns:p14="http://schemas.microsoft.com/office/powerpoint/2010/main" val="782578909"/>
+      </p:ext>
+    </p:extLst>
+  </p:cSld>
+  <p:clrMapOvr>
+    <a:masterClrMapping/>
+  </p:clrMapOvr>
+</p:sld>
+</file>
+
+<file path=ppt/slides/slide12.xml><?xml version="1.0" encoding="utf-8"?>
+<p:sld xmlns:a="http://schemas.openxmlformats.org/drawingml/2006/main" xmlns:r="http://schemas.openxmlformats.org/officeDocument/2006/relationships" xmlns:p="http://schemas.openxmlformats.org/presentationml/2006/main">
+  <p:cSld>
+    <p:spTree>
+      <p:nvGrpSpPr>
+        <p:cNvPr id="1" name=""/>
+        <p:cNvGrpSpPr/>
+        <p:nvPr/>
+      </p:nvGrpSpPr>
+      <p:grpSpPr>
+        <a:xfrm>
+          <a:off x="0" y="0"/>
+          <a:ext cx="0" cy="0"/>
+          <a:chOff x="0" y="0"/>
+          <a:chExt cx="0" cy="0"/>
+        </a:xfrm>
+      </p:grpSpPr>
+      <p:pic>
+        <p:nvPicPr>
           <p:cNvPr id="5" name="Imagen 4"/>
           <p:cNvPicPr>
             <a:picLocks noChangeAspect="1"/>
@@ -10469,8 +11589,8 @@
         </p:nvSpPr>
         <p:spPr bwMode="auto">
           <a:xfrm>
-            <a:off x="1186294" y="1667339"/>
-            <a:ext cx="9893299" cy="830997"/>
+            <a:off x="886692" y="1116745"/>
+            <a:ext cx="10340687" cy="830997"/>
           </a:xfrm>
           <a:prstGeom prst="rect">
             <a:avLst/>
@@ -10537,7 +11657,23 @@
             </a:r>
             <a:r>
               <a:rPr lang="es-ES" sz="1600" dirty="0" smtClean="0"/>
-              <a:t> general diario para el grupo A fue de 44.3% y para el grupo “B” fue de 19%. A nivel diario el grupo “A” tuvo una caída del 35% en el </a:t>
+              <a:t> general diario para el grupo A fue de </a:t>
+            </a:r>
+            <a:r>
+              <a:rPr lang="es-ES" sz="1600" dirty="0" smtClean="0"/>
+              <a:t>36.1% </a:t>
+            </a:r>
+            <a:r>
+              <a:rPr lang="es-ES" sz="1600" dirty="0" smtClean="0"/>
+              <a:t>y para el grupo “B” fue de </a:t>
+            </a:r>
+            <a:r>
+              <a:rPr lang="es-ES" sz="1600" dirty="0" smtClean="0"/>
+              <a:t>15.5%. </a:t>
+            </a:r>
+            <a:r>
+              <a:rPr lang="es-ES" sz="1600" dirty="0" smtClean="0"/>
+              <a:t>A nivel diario el grupo “A” tuvo una caída del 35% en el </a:t>
             </a:r>
             <a:r>
               <a:rPr lang="es-ES" sz="1600" dirty="0" err="1" smtClean="0"/>
@@ -10910,64 +12046,23 @@
           </a:p>
         </p:txBody>
       </p:sp>
-      <p:pic>
-        <p:nvPicPr>
-          <p:cNvPr id="3073" name="Imagen 3"/>
-          <p:cNvPicPr>
-            <a:picLocks noChangeAspect="1" noChangeArrowheads="1"/>
-          </p:cNvPicPr>
-          <p:nvPr/>
-        </p:nvPicPr>
-        <p:blipFill>
-          <a:blip r:embed="rId4">
-            <a:extLst>
-              <a:ext uri="{28A0092B-C50C-407E-A947-70E740481C1C}">
-                <a14:useLocalDpi xmlns:a14="http://schemas.microsoft.com/office/drawing/2010/main" val="0"/>
-              </a:ext>
-            </a:extLst>
-          </a:blip>
-          <a:srcRect r="46776"/>
-          <a:stretch>
-            <a:fillRect/>
-          </a:stretch>
-        </p:blipFill>
-        <p:spPr bwMode="auto">
-          <a:xfrm>
-            <a:off x="5835627" y="2857496"/>
-            <a:ext cx="5416243" cy="2928453"/>
-          </a:xfrm>
-          <a:prstGeom prst="rect">
-            <a:avLst/>
-          </a:prstGeom>
-          <a:noFill/>
-          <a:extLst>
-            <a:ext uri="{909E8E84-426E-40DD-AFC4-6F175D3DCCD1}">
-              <a14:hiddenFill xmlns:a14="http://schemas.microsoft.com/office/drawing/2010/main">
-                <a:solidFill>
-                  <a:srgbClr val="FFFFFF"/>
-                </a:solidFill>
-              </a14:hiddenFill>
-            </a:ext>
-          </a:extLst>
-        </p:spPr>
-      </p:pic>
       <p:graphicFrame>
         <p:nvGraphicFramePr>
-          <p:cNvPr id="6" name="Tabla 5"/>
+          <p:cNvPr id="3" name="Tabla 2"/>
           <p:cNvGraphicFramePr>
             <a:graphicFrameLocks noGrp="1"/>
           </p:cNvGraphicFramePr>
           <p:nvPr>
             <p:extLst>
               <p:ext uri="{D42A27DB-BD31-4B8C-83A1-F6EECF244321}">
-                <p14:modId xmlns:p14="http://schemas.microsoft.com/office/powerpoint/2010/main" val="2310009555"/>
+                <p14:modId xmlns:p14="http://schemas.microsoft.com/office/powerpoint/2010/main" val="3778110673"/>
               </p:ext>
             </p:extLst>
           </p:nvPr>
         </p:nvGraphicFramePr>
         <p:xfrm>
-          <a:off x="1496291" y="3131936"/>
-          <a:ext cx="4091708" cy="2266950"/>
+          <a:off x="2503054" y="2172224"/>
+          <a:ext cx="3482109" cy="1841500"/>
         </p:xfrm>
         <a:graphic>
           <a:graphicData uri="http://schemas.openxmlformats.org/drawingml/2006/table">
@@ -10976,12 +12071,12 @@
                 <a:tableStyleId>{3B4B98B0-60AC-42C2-AFA5-B58CD77FA1E5}</a:tableStyleId>
               </a:tblPr>
               <a:tblGrid>
-                <a:gridCol w="1022927"/>
-                <a:gridCol w="1022927"/>
-                <a:gridCol w="1022927"/>
-                <a:gridCol w="1022927"/>
+                <a:gridCol w="1203921"/>
+                <a:gridCol w="1092790"/>
+                <a:gridCol w="592699"/>
+                <a:gridCol w="592699"/>
               </a:tblGrid>
-              <a:tr h="271896">
+              <a:tr h="184150">
                 <a:tc>
                   <a:txBody>
                     <a:bodyPr/>
@@ -10989,12 +12084,12 @@
                     <a:p>
                       <a:pPr algn="l" fontAlgn="b"/>
                       <a:r>
-                        <a:rPr lang="en-GB" sz="1400" b="1" u="none" strike="noStrike" dirty="0">
+                        <a:rPr lang="en-GB" sz="1200" u="none" strike="noStrike">
                           <a:effectLst/>
                         </a:rPr>
                         <a:t>Fecha</a:t>
                       </a:r>
-                      <a:endParaRPr lang="en-GB" sz="1400" b="1" i="0" u="none" strike="noStrike" dirty="0">
+                      <a:endParaRPr lang="en-GB" sz="1200" b="1" i="0" u="none" strike="noStrike">
                         <a:solidFill>
                           <a:srgbClr val="000000"/>
                         </a:solidFill>
@@ -11012,12 +12107,12 @@
                     <a:p>
                       <a:pPr algn="l" fontAlgn="b"/>
                       <a:r>
-                        <a:rPr lang="en-GB" sz="1400" b="1" u="none" strike="noStrike">
+                        <a:rPr lang="en-GB" sz="1200" u="none" strike="noStrike">
                           <a:effectLst/>
                         </a:rPr>
                         <a:t>a</a:t>
                       </a:r>
-                      <a:endParaRPr lang="en-GB" sz="1400" b="1" i="0" u="none" strike="noStrike">
+                      <a:endParaRPr lang="en-GB" sz="1200" b="1" i="0" u="none" strike="noStrike">
                         <a:solidFill>
                           <a:srgbClr val="000000"/>
                         </a:solidFill>
@@ -11035,12 +12130,12 @@
                     <a:p>
                       <a:pPr algn="l" fontAlgn="b"/>
                       <a:r>
-                        <a:rPr lang="en-GB" sz="1400" b="1" u="none" strike="noStrike">
+                        <a:rPr lang="en-GB" sz="1200" u="none" strike="noStrike">
                           <a:effectLst/>
                         </a:rPr>
                         <a:t>b</a:t>
                       </a:r>
-                      <a:endParaRPr lang="en-GB" sz="1400" b="1" i="0" u="none" strike="noStrike">
+                      <a:endParaRPr lang="en-GB" sz="1200" b="1" i="0" u="none" strike="noStrike">
                         <a:solidFill>
                           <a:srgbClr val="000000"/>
                         </a:solidFill>
@@ -11058,12 +12153,12 @@
                     <a:p>
                       <a:pPr algn="l" fontAlgn="b"/>
                       <a:r>
-                        <a:rPr lang="en-GB" sz="1400" b="1" u="none" strike="noStrike" dirty="0">
+                        <a:rPr lang="en-GB" sz="1200" u="none" strike="noStrike">
                           <a:effectLst/>
                         </a:rPr>
                         <a:t>Total</a:t>
                       </a:r>
-                      <a:endParaRPr lang="en-GB" sz="1400" b="1" i="0" u="none" strike="noStrike" dirty="0">
+                      <a:endParaRPr lang="en-GB" sz="1200" b="1" i="0" u="none" strike="noStrike">
                         <a:solidFill>
                           <a:srgbClr val="000000"/>
                         </a:solidFill>
@@ -11075,7 +12170,7 @@
                   <a:tcPr marL="0" marR="0" marT="0" marB="0" anchor="b"/>
                 </a:tc>
               </a:tr>
-              <a:tr h="202684">
+              <a:tr h="184150">
                 <a:tc>
                   <a:txBody>
                     <a:bodyPr/>
@@ -11083,833 +12178,833 @@
                     <a:p>
                       <a:pPr algn="l" fontAlgn="b"/>
                       <a:r>
-                        <a:rPr lang="en-GB" sz="1400" u="none" strike="noStrike">
+                        <a:rPr lang="en-GB" sz="1200" u="none" strike="noStrike">
                           <a:effectLst/>
                         </a:rPr>
                         <a:t>01/03/2016</a:t>
                       </a:r>
-                      <a:endParaRPr lang="en-GB" sz="1400" b="0" i="0" u="none" strike="noStrike">
-                        <a:solidFill>
-                          <a:srgbClr val="000000"/>
-                        </a:solidFill>
-                        <a:effectLst/>
-                        <a:latin typeface="Calibri" panose="020F0502020204030204" pitchFamily="34" charset="0"/>
-                      </a:endParaRPr>
-                    </a:p>
-                  </a:txBody>
-                  <a:tcPr marL="0" marR="0" marT="0" marB="0" anchor="b"/>
-                </a:tc>
-                <a:tc>
-                  <a:txBody>
-                    <a:bodyPr/>
-                    <a:lstStyle/>
-                    <a:p>
-                      <a:pPr algn="r" fontAlgn="b"/>
-                      <a:r>
-                        <a:rPr lang="en-GB" sz="1400" u="none" strike="noStrike">
-                          <a:effectLst/>
-                        </a:rPr>
-                        <a:t>57.9%</a:t>
-                      </a:r>
-                      <a:endParaRPr lang="en-GB" sz="1400" b="0" i="0" u="none" strike="noStrike">
-                        <a:solidFill>
-                          <a:srgbClr val="000000"/>
-                        </a:solidFill>
-                        <a:effectLst/>
-                        <a:latin typeface="Calibri" panose="020F0502020204030204" pitchFamily="34" charset="0"/>
-                      </a:endParaRPr>
-                    </a:p>
-                  </a:txBody>
-                  <a:tcPr marL="0" marR="0" marT="0" marB="0" anchor="b"/>
-                </a:tc>
-                <a:tc>
-                  <a:txBody>
-                    <a:bodyPr/>
-                    <a:lstStyle/>
-                    <a:p>
-                      <a:pPr algn="r" fontAlgn="b"/>
-                      <a:r>
-                        <a:rPr lang="en-GB" sz="1400" u="none" strike="noStrike">
+                      <a:endParaRPr lang="en-GB" sz="1200" b="0" i="0" u="none" strike="noStrike">
+                        <a:solidFill>
+                          <a:srgbClr val="000000"/>
+                        </a:solidFill>
+                        <a:effectLst/>
+                        <a:latin typeface="Calibri" panose="020F0502020204030204" pitchFamily="34" charset="0"/>
+                      </a:endParaRPr>
+                    </a:p>
+                  </a:txBody>
+                  <a:tcPr marL="0" marR="0" marT="0" marB="0" anchor="b"/>
+                </a:tc>
+                <a:tc>
+                  <a:txBody>
+                    <a:bodyPr/>
+                    <a:lstStyle/>
+                    <a:p>
+                      <a:pPr algn="r" fontAlgn="b"/>
+                      <a:r>
+                        <a:rPr lang="en-GB" sz="1200" u="none" strike="noStrike">
+                          <a:effectLst/>
+                        </a:rPr>
+                        <a:t>47.1%</a:t>
+                      </a:r>
+                      <a:endParaRPr lang="en-GB" sz="1200" b="0" i="0" u="none" strike="noStrike">
+                        <a:solidFill>
+                          <a:srgbClr val="000000"/>
+                        </a:solidFill>
+                        <a:effectLst/>
+                        <a:latin typeface="Calibri" panose="020F0502020204030204" pitchFamily="34" charset="0"/>
+                      </a:endParaRPr>
+                    </a:p>
+                  </a:txBody>
+                  <a:tcPr marL="0" marR="0" marT="0" marB="0" anchor="b"/>
+                </a:tc>
+                <a:tc>
+                  <a:txBody>
+                    <a:bodyPr/>
+                    <a:lstStyle/>
+                    <a:p>
+                      <a:pPr algn="r" fontAlgn="b"/>
+                      <a:r>
+                        <a:rPr lang="en-GB" sz="1200" u="none" strike="noStrike">
+                          <a:effectLst/>
+                        </a:rPr>
+                        <a:t>12.6%</a:t>
+                      </a:r>
+                      <a:endParaRPr lang="en-GB" sz="1200" b="0" i="0" u="none" strike="noStrike">
+                        <a:solidFill>
+                          <a:srgbClr val="000000"/>
+                        </a:solidFill>
+                        <a:effectLst/>
+                        <a:latin typeface="Calibri" panose="020F0502020204030204" pitchFamily="34" charset="0"/>
+                      </a:endParaRPr>
+                    </a:p>
+                  </a:txBody>
+                  <a:tcPr marL="0" marR="0" marT="0" marB="0" anchor="b"/>
+                </a:tc>
+                <a:tc>
+                  <a:txBody>
+                    <a:bodyPr/>
+                    <a:lstStyle/>
+                    <a:p>
+                      <a:pPr algn="r" fontAlgn="b"/>
+                      <a:r>
+                        <a:rPr lang="en-GB" sz="1200" u="none" strike="noStrike">
+                          <a:effectLst/>
+                        </a:rPr>
+                        <a:t>36.2%</a:t>
+                      </a:r>
+                      <a:endParaRPr lang="en-GB" sz="1200" b="0" i="0" u="none" strike="noStrike">
+                        <a:solidFill>
+                          <a:srgbClr val="000000"/>
+                        </a:solidFill>
+                        <a:effectLst/>
+                        <a:latin typeface="Calibri" panose="020F0502020204030204" pitchFamily="34" charset="0"/>
+                      </a:endParaRPr>
+                    </a:p>
+                  </a:txBody>
+                  <a:tcPr marL="0" marR="0" marT="0" marB="0" anchor="b"/>
+                </a:tc>
+              </a:tr>
+              <a:tr h="184150">
+                <a:tc>
+                  <a:txBody>
+                    <a:bodyPr/>
+                    <a:lstStyle/>
+                    <a:p>
+                      <a:pPr algn="l" fontAlgn="b"/>
+                      <a:r>
+                        <a:rPr lang="en-GB" sz="1200" u="none" strike="noStrike">
+                          <a:effectLst/>
+                        </a:rPr>
+                        <a:t>02/03/2016</a:t>
+                      </a:r>
+                      <a:endParaRPr lang="en-GB" sz="1200" b="0" i="0" u="none" strike="noStrike">
+                        <a:solidFill>
+                          <a:srgbClr val="000000"/>
+                        </a:solidFill>
+                        <a:effectLst/>
+                        <a:latin typeface="Calibri" panose="020F0502020204030204" pitchFamily="34" charset="0"/>
+                      </a:endParaRPr>
+                    </a:p>
+                  </a:txBody>
+                  <a:tcPr marL="0" marR="0" marT="0" marB="0" anchor="b"/>
+                </a:tc>
+                <a:tc>
+                  <a:txBody>
+                    <a:bodyPr/>
+                    <a:lstStyle/>
+                    <a:p>
+                      <a:pPr algn="r" fontAlgn="b"/>
+                      <a:r>
+                        <a:rPr lang="en-GB" sz="1200" u="none" strike="noStrike">
+                          <a:effectLst/>
+                        </a:rPr>
+                        <a:t>44.9%</a:t>
+                      </a:r>
+                      <a:endParaRPr lang="en-GB" sz="1200" b="0" i="0" u="none" strike="noStrike">
+                        <a:solidFill>
+                          <a:srgbClr val="000000"/>
+                        </a:solidFill>
+                        <a:effectLst/>
+                        <a:latin typeface="Calibri" panose="020F0502020204030204" pitchFamily="34" charset="0"/>
+                      </a:endParaRPr>
+                    </a:p>
+                  </a:txBody>
+                  <a:tcPr marL="0" marR="0" marT="0" marB="0" anchor="b"/>
+                </a:tc>
+                <a:tc>
+                  <a:txBody>
+                    <a:bodyPr/>
+                    <a:lstStyle/>
+                    <a:p>
+                      <a:pPr algn="r" fontAlgn="b"/>
+                      <a:r>
+                        <a:rPr lang="en-GB" sz="1200" u="none" strike="noStrike">
+                          <a:effectLst/>
+                        </a:rPr>
+                        <a:t>13.3%</a:t>
+                      </a:r>
+                      <a:endParaRPr lang="en-GB" sz="1200" b="0" i="0" u="none" strike="noStrike">
+                        <a:solidFill>
+                          <a:srgbClr val="000000"/>
+                        </a:solidFill>
+                        <a:effectLst/>
+                        <a:latin typeface="Calibri" panose="020F0502020204030204" pitchFamily="34" charset="0"/>
+                      </a:endParaRPr>
+                    </a:p>
+                  </a:txBody>
+                  <a:tcPr marL="0" marR="0" marT="0" marB="0" anchor="b"/>
+                </a:tc>
+                <a:tc>
+                  <a:txBody>
+                    <a:bodyPr/>
+                    <a:lstStyle/>
+                    <a:p>
+                      <a:pPr algn="r" fontAlgn="b"/>
+                      <a:r>
+                        <a:rPr lang="en-GB" sz="1200" u="none" strike="noStrike">
+                          <a:effectLst/>
+                        </a:rPr>
+                        <a:t>35.4%</a:t>
+                      </a:r>
+                      <a:endParaRPr lang="en-GB" sz="1200" b="0" i="0" u="none" strike="noStrike">
+                        <a:solidFill>
+                          <a:srgbClr val="000000"/>
+                        </a:solidFill>
+                        <a:effectLst/>
+                        <a:latin typeface="Calibri" panose="020F0502020204030204" pitchFamily="34" charset="0"/>
+                      </a:endParaRPr>
+                    </a:p>
+                  </a:txBody>
+                  <a:tcPr marL="0" marR="0" marT="0" marB="0" anchor="b"/>
+                </a:tc>
+              </a:tr>
+              <a:tr h="184150">
+                <a:tc>
+                  <a:txBody>
+                    <a:bodyPr/>
+                    <a:lstStyle/>
+                    <a:p>
+                      <a:pPr algn="l" fontAlgn="b"/>
+                      <a:r>
+                        <a:rPr lang="en-GB" sz="1200" u="none" strike="noStrike">
+                          <a:effectLst/>
+                        </a:rPr>
+                        <a:t>03/03/2016</a:t>
+                      </a:r>
+                      <a:endParaRPr lang="en-GB" sz="1200" b="0" i="0" u="none" strike="noStrike">
+                        <a:solidFill>
+                          <a:srgbClr val="000000"/>
+                        </a:solidFill>
+                        <a:effectLst/>
+                        <a:latin typeface="Calibri" panose="020F0502020204030204" pitchFamily="34" charset="0"/>
+                      </a:endParaRPr>
+                    </a:p>
+                  </a:txBody>
+                  <a:tcPr marL="0" marR="0" marT="0" marB="0" anchor="b"/>
+                </a:tc>
+                <a:tc>
+                  <a:txBody>
+                    <a:bodyPr/>
+                    <a:lstStyle/>
+                    <a:p>
+                      <a:pPr algn="r" fontAlgn="b"/>
+                      <a:r>
+                        <a:rPr lang="en-GB" sz="1200" u="none" strike="noStrike">
+                          <a:effectLst/>
+                        </a:rPr>
+                        <a:t>43.5%</a:t>
+                      </a:r>
+                      <a:endParaRPr lang="en-GB" sz="1200" b="0" i="0" u="none" strike="noStrike">
+                        <a:solidFill>
+                          <a:srgbClr val="000000"/>
+                        </a:solidFill>
+                        <a:effectLst/>
+                        <a:latin typeface="Calibri" panose="020F0502020204030204" pitchFamily="34" charset="0"/>
+                      </a:endParaRPr>
+                    </a:p>
+                  </a:txBody>
+                  <a:tcPr marL="0" marR="0" marT="0" marB="0" anchor="b"/>
+                </a:tc>
+                <a:tc>
+                  <a:txBody>
+                    <a:bodyPr/>
+                    <a:lstStyle/>
+                    <a:p>
+                      <a:pPr algn="r" fontAlgn="b"/>
+                      <a:r>
+                        <a:rPr lang="en-GB" sz="1200" u="none" strike="noStrike">
+                          <a:effectLst/>
+                        </a:rPr>
+                        <a:t>13.6%</a:t>
+                      </a:r>
+                      <a:endParaRPr lang="en-GB" sz="1200" b="0" i="0" u="none" strike="noStrike">
+                        <a:solidFill>
+                          <a:srgbClr val="000000"/>
+                        </a:solidFill>
+                        <a:effectLst/>
+                        <a:latin typeface="Calibri" panose="020F0502020204030204" pitchFamily="34" charset="0"/>
+                      </a:endParaRPr>
+                    </a:p>
+                  </a:txBody>
+                  <a:tcPr marL="0" marR="0" marT="0" marB="0" anchor="b"/>
+                </a:tc>
+                <a:tc>
+                  <a:txBody>
+                    <a:bodyPr/>
+                    <a:lstStyle/>
+                    <a:p>
+                      <a:pPr algn="r" fontAlgn="b"/>
+                      <a:r>
+                        <a:rPr lang="en-GB" sz="1200" u="none" strike="noStrike">
+                          <a:effectLst/>
+                        </a:rPr>
+                        <a:t>34.3%</a:t>
+                      </a:r>
+                      <a:endParaRPr lang="en-GB" sz="1200" b="0" i="0" u="none" strike="noStrike">
+                        <a:solidFill>
+                          <a:srgbClr val="000000"/>
+                        </a:solidFill>
+                        <a:effectLst/>
+                        <a:latin typeface="Calibri" panose="020F0502020204030204" pitchFamily="34" charset="0"/>
+                      </a:endParaRPr>
+                    </a:p>
+                  </a:txBody>
+                  <a:tcPr marL="0" marR="0" marT="0" marB="0" anchor="b"/>
+                </a:tc>
+              </a:tr>
+              <a:tr h="184150">
+                <a:tc>
+                  <a:txBody>
+                    <a:bodyPr/>
+                    <a:lstStyle/>
+                    <a:p>
+                      <a:pPr algn="l" fontAlgn="b"/>
+                      <a:r>
+                        <a:rPr lang="en-GB" sz="1200" u="none" strike="noStrike">
+                          <a:effectLst/>
+                        </a:rPr>
+                        <a:t>04/03/2016</a:t>
+                      </a:r>
+                      <a:endParaRPr lang="en-GB" sz="1200" b="0" i="0" u="none" strike="noStrike">
+                        <a:solidFill>
+                          <a:srgbClr val="000000"/>
+                        </a:solidFill>
+                        <a:effectLst/>
+                        <a:latin typeface="Calibri" panose="020F0502020204030204" pitchFamily="34" charset="0"/>
+                      </a:endParaRPr>
+                    </a:p>
+                  </a:txBody>
+                  <a:tcPr marL="0" marR="0" marT="0" marB="0" anchor="b"/>
+                </a:tc>
+                <a:tc>
+                  <a:txBody>
+                    <a:bodyPr/>
+                    <a:lstStyle/>
+                    <a:p>
+                      <a:pPr algn="r" fontAlgn="b"/>
+                      <a:r>
+                        <a:rPr lang="en-GB" sz="1200" u="none" strike="noStrike">
+                          <a:effectLst/>
+                        </a:rPr>
+                        <a:t>29.9%</a:t>
+                      </a:r>
+                      <a:endParaRPr lang="en-GB" sz="1200" b="0" i="0" u="none" strike="noStrike">
+                        <a:solidFill>
+                          <a:srgbClr val="000000"/>
+                        </a:solidFill>
+                        <a:effectLst/>
+                        <a:latin typeface="Calibri" panose="020F0502020204030204" pitchFamily="34" charset="0"/>
+                      </a:endParaRPr>
+                    </a:p>
+                  </a:txBody>
+                  <a:tcPr marL="0" marR="0" marT="0" marB="0" anchor="b"/>
+                </a:tc>
+                <a:tc>
+                  <a:txBody>
+                    <a:bodyPr/>
+                    <a:lstStyle/>
+                    <a:p>
+                      <a:pPr algn="r" fontAlgn="b"/>
+                      <a:r>
+                        <a:rPr lang="en-GB" sz="1200" u="none" strike="noStrike">
+                          <a:effectLst/>
+                        </a:rPr>
+                        <a:t>17.0%</a:t>
+                      </a:r>
+                      <a:endParaRPr lang="en-GB" sz="1200" b="0" i="0" u="none" strike="noStrike">
+                        <a:solidFill>
+                          <a:srgbClr val="000000"/>
+                        </a:solidFill>
+                        <a:effectLst/>
+                        <a:latin typeface="Calibri" panose="020F0502020204030204" pitchFamily="34" charset="0"/>
+                      </a:endParaRPr>
+                    </a:p>
+                  </a:txBody>
+                  <a:tcPr marL="0" marR="0" marT="0" marB="0" anchor="b"/>
+                </a:tc>
+                <a:tc>
+                  <a:txBody>
+                    <a:bodyPr/>
+                    <a:lstStyle/>
+                    <a:p>
+                      <a:pPr algn="r" fontAlgn="b"/>
+                      <a:r>
+                        <a:rPr lang="en-GB" sz="1200" u="none" strike="noStrike">
+                          <a:effectLst/>
+                        </a:rPr>
+                        <a:t>25.8%</a:t>
+                      </a:r>
+                      <a:endParaRPr lang="en-GB" sz="1200" b="0" i="0" u="none" strike="noStrike">
+                        <a:solidFill>
+                          <a:srgbClr val="000000"/>
+                        </a:solidFill>
+                        <a:effectLst/>
+                        <a:latin typeface="Calibri" panose="020F0502020204030204" pitchFamily="34" charset="0"/>
+                      </a:endParaRPr>
+                    </a:p>
+                  </a:txBody>
+                  <a:tcPr marL="0" marR="0" marT="0" marB="0" anchor="b"/>
+                </a:tc>
+              </a:tr>
+              <a:tr h="184150">
+                <a:tc>
+                  <a:txBody>
+                    <a:bodyPr/>
+                    <a:lstStyle/>
+                    <a:p>
+                      <a:pPr algn="l" fontAlgn="b"/>
+                      <a:r>
+                        <a:rPr lang="en-GB" sz="1200" u="none" strike="noStrike">
+                          <a:effectLst/>
+                        </a:rPr>
+                        <a:t>05/03/2016</a:t>
+                      </a:r>
+                      <a:endParaRPr lang="en-GB" sz="1200" b="0" i="0" u="none" strike="noStrike">
+                        <a:solidFill>
+                          <a:srgbClr val="000000"/>
+                        </a:solidFill>
+                        <a:effectLst/>
+                        <a:latin typeface="Calibri" panose="020F0502020204030204" pitchFamily="34" charset="0"/>
+                      </a:endParaRPr>
+                    </a:p>
+                  </a:txBody>
+                  <a:tcPr marL="0" marR="0" marT="0" marB="0" anchor="b"/>
+                </a:tc>
+                <a:tc>
+                  <a:txBody>
+                    <a:bodyPr/>
+                    <a:lstStyle/>
+                    <a:p>
+                      <a:pPr algn="r" fontAlgn="b"/>
+                      <a:r>
+                        <a:rPr lang="en-GB" sz="1200" u="none" strike="noStrike">
+                          <a:effectLst/>
+                        </a:rPr>
+                        <a:t>29.2%</a:t>
+                      </a:r>
+                      <a:endParaRPr lang="en-GB" sz="1200" b="0" i="0" u="none" strike="noStrike">
+                        <a:solidFill>
+                          <a:srgbClr val="000000"/>
+                        </a:solidFill>
+                        <a:effectLst/>
+                        <a:latin typeface="Calibri" panose="020F0502020204030204" pitchFamily="34" charset="0"/>
+                      </a:endParaRPr>
+                    </a:p>
+                  </a:txBody>
+                  <a:tcPr marL="0" marR="0" marT="0" marB="0" anchor="b"/>
+                </a:tc>
+                <a:tc>
+                  <a:txBody>
+                    <a:bodyPr/>
+                    <a:lstStyle/>
+                    <a:p>
+                      <a:pPr algn="r" fontAlgn="b"/>
+                      <a:r>
+                        <a:rPr lang="en-GB" sz="1200" u="none" strike="noStrike">
+                          <a:effectLst/>
+                        </a:rPr>
+                        <a:t>17.6%</a:t>
+                      </a:r>
+                      <a:endParaRPr lang="en-GB" sz="1200" b="0" i="0" u="none" strike="noStrike">
+                        <a:solidFill>
+                          <a:srgbClr val="000000"/>
+                        </a:solidFill>
+                        <a:effectLst/>
+                        <a:latin typeface="Calibri" panose="020F0502020204030204" pitchFamily="34" charset="0"/>
+                      </a:endParaRPr>
+                    </a:p>
+                  </a:txBody>
+                  <a:tcPr marL="0" marR="0" marT="0" marB="0" anchor="b"/>
+                </a:tc>
+                <a:tc>
+                  <a:txBody>
+                    <a:bodyPr/>
+                    <a:lstStyle/>
+                    <a:p>
+                      <a:pPr algn="r" fontAlgn="b"/>
+                      <a:r>
+                        <a:rPr lang="en-GB" sz="1200" u="none" strike="noStrike">
+                          <a:effectLst/>
+                        </a:rPr>
+                        <a:t>25.2%</a:t>
+                      </a:r>
+                      <a:endParaRPr lang="en-GB" sz="1200" b="0" i="0" u="none" strike="noStrike">
+                        <a:solidFill>
+                          <a:srgbClr val="000000"/>
+                        </a:solidFill>
+                        <a:effectLst/>
+                        <a:latin typeface="Calibri" panose="020F0502020204030204" pitchFamily="34" charset="0"/>
+                      </a:endParaRPr>
+                    </a:p>
+                  </a:txBody>
+                  <a:tcPr marL="0" marR="0" marT="0" marB="0" anchor="b"/>
+                </a:tc>
+              </a:tr>
+              <a:tr h="184150">
+                <a:tc>
+                  <a:txBody>
+                    <a:bodyPr/>
+                    <a:lstStyle/>
+                    <a:p>
+                      <a:pPr algn="l" fontAlgn="b"/>
+                      <a:r>
+                        <a:rPr lang="en-GB" sz="1200" u="none" strike="noStrike">
+                          <a:effectLst/>
+                        </a:rPr>
+                        <a:t>06/03/2016</a:t>
+                      </a:r>
+                      <a:endParaRPr lang="en-GB" sz="1200" b="0" i="0" u="none" strike="noStrike">
+                        <a:solidFill>
+                          <a:srgbClr val="000000"/>
+                        </a:solidFill>
+                        <a:effectLst/>
+                        <a:latin typeface="Calibri" panose="020F0502020204030204" pitchFamily="34" charset="0"/>
+                      </a:endParaRPr>
+                    </a:p>
+                  </a:txBody>
+                  <a:tcPr marL="0" marR="0" marT="0" marB="0" anchor="b"/>
+                </a:tc>
+                <a:tc>
+                  <a:txBody>
+                    <a:bodyPr/>
+                    <a:lstStyle/>
+                    <a:p>
+                      <a:pPr algn="r" fontAlgn="b"/>
+                      <a:r>
+                        <a:rPr lang="en-GB" sz="1200" u="none" strike="noStrike">
+                          <a:effectLst/>
+                        </a:rPr>
+                        <a:t>30.6%</a:t>
+                      </a:r>
+                      <a:endParaRPr lang="en-GB" sz="1200" b="0" i="0" u="none" strike="noStrike">
+                        <a:solidFill>
+                          <a:srgbClr val="000000"/>
+                        </a:solidFill>
+                        <a:effectLst/>
+                        <a:latin typeface="Calibri" panose="020F0502020204030204" pitchFamily="34" charset="0"/>
+                      </a:endParaRPr>
+                    </a:p>
+                  </a:txBody>
+                  <a:tcPr marL="0" marR="0" marT="0" marB="0" anchor="b"/>
+                </a:tc>
+                <a:tc>
+                  <a:txBody>
+                    <a:bodyPr/>
+                    <a:lstStyle/>
+                    <a:p>
+                      <a:pPr algn="r" fontAlgn="b"/>
+                      <a:r>
+                        <a:rPr lang="en-GB" sz="1200" u="none" strike="noStrike">
+                          <a:effectLst/>
+                        </a:rPr>
+                        <a:t>16.7%</a:t>
+                      </a:r>
+                      <a:endParaRPr lang="en-GB" sz="1200" b="0" i="0" u="none" strike="noStrike">
+                        <a:solidFill>
+                          <a:srgbClr val="000000"/>
+                        </a:solidFill>
+                        <a:effectLst/>
+                        <a:latin typeface="Calibri" panose="020F0502020204030204" pitchFamily="34" charset="0"/>
+                      </a:endParaRPr>
+                    </a:p>
+                  </a:txBody>
+                  <a:tcPr marL="0" marR="0" marT="0" marB="0" anchor="b"/>
+                </a:tc>
+                <a:tc>
+                  <a:txBody>
+                    <a:bodyPr/>
+                    <a:lstStyle/>
+                    <a:p>
+                      <a:pPr algn="r" fontAlgn="b"/>
+                      <a:r>
+                        <a:rPr lang="en-GB" sz="1200" u="none" strike="noStrike">
+                          <a:effectLst/>
+                        </a:rPr>
+                        <a:t>25.7%</a:t>
+                      </a:r>
+                      <a:endParaRPr lang="en-GB" sz="1200" b="0" i="0" u="none" strike="noStrike">
+                        <a:solidFill>
+                          <a:srgbClr val="000000"/>
+                        </a:solidFill>
+                        <a:effectLst/>
+                        <a:latin typeface="Calibri" panose="020F0502020204030204" pitchFamily="34" charset="0"/>
+                      </a:endParaRPr>
+                    </a:p>
+                  </a:txBody>
+                  <a:tcPr marL="0" marR="0" marT="0" marB="0" anchor="b"/>
+                </a:tc>
+              </a:tr>
+              <a:tr h="184150">
+                <a:tc>
+                  <a:txBody>
+                    <a:bodyPr/>
+                    <a:lstStyle/>
+                    <a:p>
+                      <a:pPr algn="l" fontAlgn="b"/>
+                      <a:r>
+                        <a:rPr lang="en-GB" sz="1200" u="none" strike="noStrike">
+                          <a:effectLst/>
+                        </a:rPr>
+                        <a:t>07/03/2016</a:t>
+                      </a:r>
+                      <a:endParaRPr lang="en-GB" sz="1200" b="0" i="0" u="none" strike="noStrike">
+                        <a:solidFill>
+                          <a:srgbClr val="000000"/>
+                        </a:solidFill>
+                        <a:effectLst/>
+                        <a:latin typeface="Calibri" panose="020F0502020204030204" pitchFamily="34" charset="0"/>
+                      </a:endParaRPr>
+                    </a:p>
+                  </a:txBody>
+                  <a:tcPr marL="0" marR="0" marT="0" marB="0" anchor="b"/>
+                </a:tc>
+                <a:tc>
+                  <a:txBody>
+                    <a:bodyPr/>
+                    <a:lstStyle/>
+                    <a:p>
+                      <a:pPr algn="r" fontAlgn="b"/>
+                      <a:r>
+                        <a:rPr lang="en-GB" sz="1200" u="none" strike="noStrike">
+                          <a:effectLst/>
+                        </a:rPr>
+                        <a:t>28.4%</a:t>
+                      </a:r>
+                      <a:endParaRPr lang="en-GB" sz="1200" b="0" i="0" u="none" strike="noStrike">
+                        <a:solidFill>
+                          <a:srgbClr val="000000"/>
+                        </a:solidFill>
+                        <a:effectLst/>
+                        <a:latin typeface="Calibri" panose="020F0502020204030204" pitchFamily="34" charset="0"/>
+                      </a:endParaRPr>
+                    </a:p>
+                  </a:txBody>
+                  <a:tcPr marL="0" marR="0" marT="0" marB="0" anchor="b"/>
+                </a:tc>
+                <a:tc>
+                  <a:txBody>
+                    <a:bodyPr/>
+                    <a:lstStyle/>
+                    <a:p>
+                      <a:pPr algn="r" fontAlgn="b"/>
+                      <a:r>
+                        <a:rPr lang="en-GB" sz="1200" u="none" strike="noStrike">
+                          <a:effectLst/>
+                        </a:rPr>
+                        <a:t>17.5%</a:t>
+                      </a:r>
+                      <a:endParaRPr lang="en-GB" sz="1200" b="0" i="0" u="none" strike="noStrike">
+                        <a:solidFill>
+                          <a:srgbClr val="000000"/>
+                        </a:solidFill>
+                        <a:effectLst/>
+                        <a:latin typeface="Calibri" panose="020F0502020204030204" pitchFamily="34" charset="0"/>
+                      </a:endParaRPr>
+                    </a:p>
+                  </a:txBody>
+                  <a:tcPr marL="0" marR="0" marT="0" marB="0" anchor="b"/>
+                </a:tc>
+                <a:tc>
+                  <a:txBody>
+                    <a:bodyPr/>
+                    <a:lstStyle/>
+                    <a:p>
+                      <a:pPr algn="r" fontAlgn="b"/>
+                      <a:r>
+                        <a:rPr lang="en-GB" sz="1200" u="none" strike="noStrike">
+                          <a:effectLst/>
+                        </a:rPr>
+                        <a:t>24.8%</a:t>
+                      </a:r>
+                      <a:endParaRPr lang="en-GB" sz="1200" b="0" i="0" u="none" strike="noStrike">
+                        <a:solidFill>
+                          <a:srgbClr val="000000"/>
+                        </a:solidFill>
+                        <a:effectLst/>
+                        <a:latin typeface="Calibri" panose="020F0502020204030204" pitchFamily="34" charset="0"/>
+                      </a:endParaRPr>
+                    </a:p>
+                  </a:txBody>
+                  <a:tcPr marL="0" marR="0" marT="0" marB="0" anchor="b"/>
+                </a:tc>
+              </a:tr>
+              <a:tr h="184150">
+                <a:tc>
+                  <a:txBody>
+                    <a:bodyPr/>
+                    <a:lstStyle/>
+                    <a:p>
+                      <a:pPr algn="l" fontAlgn="b"/>
+                      <a:r>
+                        <a:rPr lang="en-GB" sz="1200" u="none" strike="noStrike">
+                          <a:effectLst/>
+                        </a:rPr>
+                        <a:t>08/03/2016</a:t>
+                      </a:r>
+                      <a:endParaRPr lang="en-GB" sz="1200" b="0" i="0" u="none" strike="noStrike">
+                        <a:solidFill>
+                          <a:srgbClr val="000000"/>
+                        </a:solidFill>
+                        <a:effectLst/>
+                        <a:latin typeface="Calibri" panose="020F0502020204030204" pitchFamily="34" charset="0"/>
+                      </a:endParaRPr>
+                    </a:p>
+                  </a:txBody>
+                  <a:tcPr marL="0" marR="0" marT="0" marB="0" anchor="b"/>
+                </a:tc>
+                <a:tc>
+                  <a:txBody>
+                    <a:bodyPr/>
+                    <a:lstStyle/>
+                    <a:p>
+                      <a:pPr algn="r" fontAlgn="b"/>
+                      <a:r>
+                        <a:rPr lang="en-GB" sz="1200" u="none" strike="noStrike">
+                          <a:effectLst/>
+                        </a:rPr>
+                        <a:t>29.6%</a:t>
+                      </a:r>
+                      <a:endParaRPr lang="en-GB" sz="1200" b="0" i="0" u="none" strike="noStrike">
+                        <a:solidFill>
+                          <a:srgbClr val="000000"/>
+                        </a:solidFill>
+                        <a:effectLst/>
+                        <a:latin typeface="Calibri" panose="020F0502020204030204" pitchFamily="34" charset="0"/>
+                      </a:endParaRPr>
+                    </a:p>
+                  </a:txBody>
+                  <a:tcPr marL="0" marR="0" marT="0" marB="0" anchor="b"/>
+                </a:tc>
+                <a:tc>
+                  <a:txBody>
+                    <a:bodyPr/>
+                    <a:lstStyle/>
+                    <a:p>
+                      <a:pPr algn="r" fontAlgn="b"/>
+                      <a:r>
+                        <a:rPr lang="en-GB" sz="1200" u="none" strike="noStrike">
+                          <a:effectLst/>
+                        </a:rPr>
+                        <a:t>16.1%</a:t>
+                      </a:r>
+                      <a:endParaRPr lang="en-GB" sz="1200" b="0" i="0" u="none" strike="noStrike">
+                        <a:solidFill>
+                          <a:srgbClr val="000000"/>
+                        </a:solidFill>
+                        <a:effectLst/>
+                        <a:latin typeface="Calibri" panose="020F0502020204030204" pitchFamily="34" charset="0"/>
+                      </a:endParaRPr>
+                    </a:p>
+                  </a:txBody>
+                  <a:tcPr marL="0" marR="0" marT="0" marB="0" anchor="b"/>
+                </a:tc>
+                <a:tc>
+                  <a:txBody>
+                    <a:bodyPr/>
+                    <a:lstStyle/>
+                    <a:p>
+                      <a:pPr algn="r" fontAlgn="b"/>
+                      <a:r>
+                        <a:rPr lang="en-GB" sz="1200" u="none" strike="noStrike">
+                          <a:effectLst/>
+                        </a:rPr>
+                        <a:t>25.1%</a:t>
+                      </a:r>
+                      <a:endParaRPr lang="en-GB" sz="1200" b="0" i="0" u="none" strike="noStrike">
+                        <a:solidFill>
+                          <a:srgbClr val="000000"/>
+                        </a:solidFill>
+                        <a:effectLst/>
+                        <a:latin typeface="Calibri" panose="020F0502020204030204" pitchFamily="34" charset="0"/>
+                      </a:endParaRPr>
+                    </a:p>
+                  </a:txBody>
+                  <a:tcPr marL="0" marR="0" marT="0" marB="0" anchor="b"/>
+                </a:tc>
+              </a:tr>
+              <a:tr h="184150">
+                <a:tc>
+                  <a:txBody>
+                    <a:bodyPr/>
+                    <a:lstStyle/>
+                    <a:p>
+                      <a:pPr algn="l" fontAlgn="b"/>
+                      <a:r>
+                        <a:rPr lang="en-GB" sz="1200" u="none" strike="noStrike">
+                          <a:effectLst/>
+                        </a:rPr>
+                        <a:t>Total general</a:t>
+                      </a:r>
+                      <a:endParaRPr lang="en-GB" sz="1200" b="1" i="0" u="none" strike="noStrike">
+                        <a:solidFill>
+                          <a:srgbClr val="000000"/>
+                        </a:solidFill>
+                        <a:effectLst/>
+                        <a:latin typeface="Calibri" panose="020F0502020204030204" pitchFamily="34" charset="0"/>
+                      </a:endParaRPr>
+                    </a:p>
+                  </a:txBody>
+                  <a:tcPr marL="0" marR="0" marT="0" marB="0" anchor="b"/>
+                </a:tc>
+                <a:tc>
+                  <a:txBody>
+                    <a:bodyPr/>
+                    <a:lstStyle/>
+                    <a:p>
+                      <a:pPr algn="r" fontAlgn="b"/>
+                      <a:r>
+                        <a:rPr lang="en-GB" sz="1200" u="none" strike="noStrike">
+                          <a:effectLst/>
+                        </a:rPr>
+                        <a:t>36.1%</a:t>
+                      </a:r>
+                      <a:endParaRPr lang="en-GB" sz="1200" b="1" i="0" u="none" strike="noStrike">
+                        <a:solidFill>
+                          <a:srgbClr val="000000"/>
+                        </a:solidFill>
+                        <a:effectLst/>
+                        <a:latin typeface="Calibri" panose="020F0502020204030204" pitchFamily="34" charset="0"/>
+                      </a:endParaRPr>
+                    </a:p>
+                  </a:txBody>
+                  <a:tcPr marL="0" marR="0" marT="0" marB="0" anchor="b"/>
+                </a:tc>
+                <a:tc>
+                  <a:txBody>
+                    <a:bodyPr/>
+                    <a:lstStyle/>
+                    <a:p>
+                      <a:pPr algn="r" fontAlgn="b"/>
+                      <a:r>
+                        <a:rPr lang="en-GB" sz="1200" u="none" strike="noStrike">
                           <a:effectLst/>
                         </a:rPr>
                         <a:t>15.5%</a:t>
                       </a:r>
-                      <a:endParaRPr lang="en-GB" sz="1400" b="0" i="0" u="none" strike="noStrike">
-                        <a:solidFill>
-                          <a:srgbClr val="000000"/>
-                        </a:solidFill>
-                        <a:effectLst/>
-                        <a:latin typeface="Calibri" panose="020F0502020204030204" pitchFamily="34" charset="0"/>
-                      </a:endParaRPr>
-                    </a:p>
-                  </a:txBody>
-                  <a:tcPr marL="0" marR="0" marT="0" marB="0" anchor="b"/>
-                </a:tc>
-                <a:tc>
-                  <a:txBody>
-                    <a:bodyPr/>
-                    <a:lstStyle/>
-                    <a:p>
-                      <a:pPr algn="r" fontAlgn="b"/>
-                      <a:r>
-                        <a:rPr lang="en-GB" sz="1400" u="none" strike="noStrike">
-                          <a:effectLst/>
-                        </a:rPr>
-                        <a:t>44.6%</a:t>
-                      </a:r>
-                      <a:endParaRPr lang="en-GB" sz="1400" b="0" i="0" u="none" strike="noStrike">
-                        <a:solidFill>
-                          <a:srgbClr val="000000"/>
-                        </a:solidFill>
-                        <a:effectLst/>
-                        <a:latin typeface="Calibri" panose="020F0502020204030204" pitchFamily="34" charset="0"/>
-                      </a:endParaRPr>
-                    </a:p>
-                  </a:txBody>
-                  <a:tcPr marL="0" marR="0" marT="0" marB="0" anchor="b"/>
-                </a:tc>
-              </a:tr>
-              <a:tr h="202684">
-                <a:tc>
-                  <a:txBody>
-                    <a:bodyPr/>
-                    <a:lstStyle/>
-                    <a:p>
-                      <a:pPr algn="l" fontAlgn="b"/>
-                      <a:r>
-                        <a:rPr lang="en-GB" sz="1400" u="none" strike="noStrike">
-                          <a:effectLst/>
-                        </a:rPr>
-                        <a:t>02/03/2016</a:t>
-                      </a:r>
-                      <a:endParaRPr lang="en-GB" sz="1400" b="0" i="0" u="none" strike="noStrike">
-                        <a:solidFill>
-                          <a:srgbClr val="000000"/>
-                        </a:solidFill>
-                        <a:effectLst/>
-                        <a:latin typeface="Calibri" panose="020F0502020204030204" pitchFamily="34" charset="0"/>
-                      </a:endParaRPr>
-                    </a:p>
-                  </a:txBody>
-                  <a:tcPr marL="0" marR="0" marT="0" marB="0" anchor="b"/>
-                </a:tc>
-                <a:tc>
-                  <a:txBody>
-                    <a:bodyPr/>
-                    <a:lstStyle/>
-                    <a:p>
-                      <a:pPr algn="r" fontAlgn="b"/>
-                      <a:r>
-                        <a:rPr lang="en-GB" sz="1400" u="none" strike="noStrike">
-                          <a:effectLst/>
-                        </a:rPr>
-                        <a:t>55.5%</a:t>
-                      </a:r>
-                      <a:endParaRPr lang="en-GB" sz="1400" b="0" i="0" u="none" strike="noStrike">
-                        <a:solidFill>
-                          <a:srgbClr val="000000"/>
-                        </a:solidFill>
-                        <a:effectLst/>
-                        <a:latin typeface="Calibri" panose="020F0502020204030204" pitchFamily="34" charset="0"/>
-                      </a:endParaRPr>
-                    </a:p>
-                  </a:txBody>
-                  <a:tcPr marL="0" marR="0" marT="0" marB="0" anchor="b"/>
-                </a:tc>
-                <a:tc>
-                  <a:txBody>
-                    <a:bodyPr/>
-                    <a:lstStyle/>
-                    <a:p>
-                      <a:pPr algn="r" fontAlgn="b"/>
-                      <a:r>
-                        <a:rPr lang="en-GB" sz="1400" u="none" strike="noStrike">
-                          <a:effectLst/>
-                        </a:rPr>
-                        <a:t>16.4%</a:t>
-                      </a:r>
-                      <a:endParaRPr lang="en-GB" sz="1400" b="0" i="0" u="none" strike="noStrike">
-                        <a:solidFill>
-                          <a:srgbClr val="000000"/>
-                        </a:solidFill>
-                        <a:effectLst/>
-                        <a:latin typeface="Calibri" panose="020F0502020204030204" pitchFamily="34" charset="0"/>
-                      </a:endParaRPr>
-                    </a:p>
-                  </a:txBody>
-                  <a:tcPr marL="0" marR="0" marT="0" marB="0" anchor="b"/>
-                </a:tc>
-                <a:tc>
-                  <a:txBody>
-                    <a:bodyPr/>
-                    <a:lstStyle/>
-                    <a:p>
-                      <a:pPr algn="r" fontAlgn="b"/>
-                      <a:r>
-                        <a:rPr lang="en-GB" sz="1400" u="none" strike="noStrike" dirty="0">
-                          <a:effectLst/>
-                        </a:rPr>
-                        <a:t>43.7%</a:t>
-                      </a:r>
-                      <a:endParaRPr lang="en-GB" sz="1400" b="0" i="0" u="none" strike="noStrike" dirty="0">
-                        <a:solidFill>
-                          <a:srgbClr val="000000"/>
-                        </a:solidFill>
-                        <a:effectLst/>
-                        <a:latin typeface="Calibri" panose="020F0502020204030204" pitchFamily="34" charset="0"/>
-                      </a:endParaRPr>
-                    </a:p>
-                  </a:txBody>
-                  <a:tcPr marL="0" marR="0" marT="0" marB="0" anchor="b"/>
-                </a:tc>
-              </a:tr>
-              <a:tr h="202684">
-                <a:tc>
-                  <a:txBody>
-                    <a:bodyPr/>
-                    <a:lstStyle/>
-                    <a:p>
-                      <a:pPr algn="l" fontAlgn="b"/>
-                      <a:r>
-                        <a:rPr lang="en-GB" sz="1400" u="none" strike="noStrike">
-                          <a:effectLst/>
-                        </a:rPr>
-                        <a:t>03/03/2016</a:t>
-                      </a:r>
-                      <a:endParaRPr lang="en-GB" sz="1400" b="0" i="0" u="none" strike="noStrike">
-                        <a:solidFill>
-                          <a:srgbClr val="000000"/>
-                        </a:solidFill>
-                        <a:effectLst/>
-                        <a:latin typeface="Calibri" panose="020F0502020204030204" pitchFamily="34" charset="0"/>
-                      </a:endParaRPr>
-                    </a:p>
-                  </a:txBody>
-                  <a:tcPr marL="0" marR="0" marT="0" marB="0" anchor="b"/>
-                </a:tc>
-                <a:tc>
-                  <a:txBody>
-                    <a:bodyPr/>
-                    <a:lstStyle/>
-                    <a:p>
-                      <a:pPr algn="r" fontAlgn="b"/>
-                      <a:r>
-                        <a:rPr lang="en-GB" sz="1400" u="none" strike="noStrike">
-                          <a:effectLst/>
-                        </a:rPr>
-                        <a:t>52.9%</a:t>
-                      </a:r>
-                      <a:endParaRPr lang="en-GB" sz="1400" b="0" i="0" u="none" strike="noStrike">
-                        <a:solidFill>
-                          <a:srgbClr val="000000"/>
-                        </a:solidFill>
-                        <a:effectLst/>
-                        <a:latin typeface="Calibri" panose="020F0502020204030204" pitchFamily="34" charset="0"/>
-                      </a:endParaRPr>
-                    </a:p>
-                  </a:txBody>
-                  <a:tcPr marL="0" marR="0" marT="0" marB="0" anchor="b"/>
-                </a:tc>
-                <a:tc>
-                  <a:txBody>
-                    <a:bodyPr/>
-                    <a:lstStyle/>
-                    <a:p>
-                      <a:pPr algn="r" fontAlgn="b"/>
-                      <a:r>
-                        <a:rPr lang="en-GB" sz="1400" u="none" strike="noStrike">
-                          <a:effectLst/>
-                        </a:rPr>
-                        <a:t>16.6%</a:t>
-                      </a:r>
-                      <a:endParaRPr lang="en-GB" sz="1400" b="0" i="0" u="none" strike="noStrike">
-                        <a:solidFill>
-                          <a:srgbClr val="000000"/>
-                        </a:solidFill>
-                        <a:effectLst/>
-                        <a:latin typeface="Calibri" panose="020F0502020204030204" pitchFamily="34" charset="0"/>
-                      </a:endParaRPr>
-                    </a:p>
-                  </a:txBody>
-                  <a:tcPr marL="0" marR="0" marT="0" marB="0" anchor="b"/>
-                </a:tc>
-                <a:tc>
-                  <a:txBody>
-                    <a:bodyPr/>
-                    <a:lstStyle/>
-                    <a:p>
-                      <a:pPr algn="r" fontAlgn="b"/>
-                      <a:r>
-                        <a:rPr lang="en-GB" sz="1400" u="none" strike="noStrike">
-                          <a:effectLst/>
-                        </a:rPr>
-                        <a:t>41.8%</a:t>
-                      </a:r>
-                      <a:endParaRPr lang="en-GB" sz="1400" b="0" i="0" u="none" strike="noStrike">
-                        <a:solidFill>
-                          <a:srgbClr val="000000"/>
-                        </a:solidFill>
-                        <a:effectLst/>
-                        <a:latin typeface="Calibri" panose="020F0502020204030204" pitchFamily="34" charset="0"/>
-                      </a:endParaRPr>
-                    </a:p>
-                  </a:txBody>
-                  <a:tcPr marL="0" marR="0" marT="0" marB="0" anchor="b"/>
-                </a:tc>
-              </a:tr>
-              <a:tr h="202684">
-                <a:tc>
-                  <a:txBody>
-                    <a:bodyPr/>
-                    <a:lstStyle/>
-                    <a:p>
-                      <a:pPr algn="l" fontAlgn="b"/>
-                      <a:r>
-                        <a:rPr lang="en-GB" sz="1400" u="none" strike="noStrike">
-                          <a:effectLst/>
-                        </a:rPr>
-                        <a:t>04/03/2016</a:t>
-                      </a:r>
-                      <a:endParaRPr lang="en-GB" sz="1400" b="0" i="0" u="none" strike="noStrike">
-                        <a:solidFill>
-                          <a:srgbClr val="000000"/>
-                        </a:solidFill>
-                        <a:effectLst/>
-                        <a:latin typeface="Calibri" panose="020F0502020204030204" pitchFamily="34" charset="0"/>
-                      </a:endParaRPr>
-                    </a:p>
-                  </a:txBody>
-                  <a:tcPr marL="0" marR="0" marT="0" marB="0" anchor="b"/>
-                </a:tc>
-                <a:tc>
-                  <a:txBody>
-                    <a:bodyPr/>
-                    <a:lstStyle/>
-                    <a:p>
-                      <a:pPr algn="r" fontAlgn="b"/>
-                      <a:r>
-                        <a:rPr lang="en-GB" sz="1400" u="none" strike="noStrike">
-                          <a:effectLst/>
-                        </a:rPr>
-                        <a:t>36.6%</a:t>
-                      </a:r>
-                      <a:endParaRPr lang="en-GB" sz="1400" b="0" i="0" u="none" strike="noStrike">
-                        <a:solidFill>
-                          <a:srgbClr val="000000"/>
-                        </a:solidFill>
-                        <a:effectLst/>
-                        <a:latin typeface="Calibri" panose="020F0502020204030204" pitchFamily="34" charset="0"/>
-                      </a:endParaRPr>
-                    </a:p>
-                  </a:txBody>
-                  <a:tcPr marL="0" marR="0" marT="0" marB="0" anchor="b"/>
-                </a:tc>
-                <a:tc>
-                  <a:txBody>
-                    <a:bodyPr/>
-                    <a:lstStyle/>
-                    <a:p>
-                      <a:pPr algn="r" fontAlgn="b"/>
-                      <a:r>
-                        <a:rPr lang="en-GB" sz="1400" u="none" strike="noStrike">
-                          <a:effectLst/>
-                        </a:rPr>
-                        <a:t>20.6%</a:t>
-                      </a:r>
-                      <a:endParaRPr lang="en-GB" sz="1400" b="0" i="0" u="none" strike="noStrike">
-                        <a:solidFill>
-                          <a:srgbClr val="000000"/>
-                        </a:solidFill>
-                        <a:effectLst/>
-                        <a:latin typeface="Calibri" panose="020F0502020204030204" pitchFamily="34" charset="0"/>
-                      </a:endParaRPr>
-                    </a:p>
-                  </a:txBody>
-                  <a:tcPr marL="0" marR="0" marT="0" marB="0" anchor="b"/>
-                </a:tc>
-                <a:tc>
-                  <a:txBody>
-                    <a:bodyPr/>
-                    <a:lstStyle/>
-                    <a:p>
-                      <a:pPr algn="r" fontAlgn="b"/>
-                      <a:r>
-                        <a:rPr lang="en-GB" sz="1400" u="none" strike="noStrike">
-                          <a:effectLst/>
-                        </a:rPr>
-                        <a:t>31.4%</a:t>
-                      </a:r>
-                      <a:endParaRPr lang="en-GB" sz="1400" b="0" i="0" u="none" strike="noStrike">
-                        <a:solidFill>
-                          <a:srgbClr val="000000"/>
-                        </a:solidFill>
-                        <a:effectLst/>
-                        <a:latin typeface="Calibri" panose="020F0502020204030204" pitchFamily="34" charset="0"/>
-                      </a:endParaRPr>
-                    </a:p>
-                  </a:txBody>
-                  <a:tcPr marL="0" marR="0" marT="0" marB="0" anchor="b"/>
-                </a:tc>
-              </a:tr>
-              <a:tr h="202684">
-                <a:tc>
-                  <a:txBody>
-                    <a:bodyPr/>
-                    <a:lstStyle/>
-                    <a:p>
-                      <a:pPr algn="l" fontAlgn="b"/>
-                      <a:r>
-                        <a:rPr lang="en-GB" sz="1400" u="none" strike="noStrike">
-                          <a:effectLst/>
-                        </a:rPr>
-                        <a:t>05/03/2016</a:t>
-                      </a:r>
-                      <a:endParaRPr lang="en-GB" sz="1400" b="0" i="0" u="none" strike="noStrike">
-                        <a:solidFill>
-                          <a:srgbClr val="000000"/>
-                        </a:solidFill>
-                        <a:effectLst/>
-                        <a:latin typeface="Calibri" panose="020F0502020204030204" pitchFamily="34" charset="0"/>
-                      </a:endParaRPr>
-                    </a:p>
-                  </a:txBody>
-                  <a:tcPr marL="0" marR="0" marT="0" marB="0" anchor="b"/>
-                </a:tc>
-                <a:tc>
-                  <a:txBody>
-                    <a:bodyPr/>
-                    <a:lstStyle/>
-                    <a:p>
-                      <a:pPr algn="r" fontAlgn="b"/>
-                      <a:r>
-                        <a:rPr lang="en-GB" sz="1400" u="none" strike="noStrike">
-                          <a:effectLst/>
-                        </a:rPr>
-                        <a:t>35.5%</a:t>
-                      </a:r>
-                      <a:endParaRPr lang="en-GB" sz="1400" b="0" i="0" u="none" strike="noStrike">
-                        <a:solidFill>
-                          <a:srgbClr val="000000"/>
-                        </a:solidFill>
-                        <a:effectLst/>
-                        <a:latin typeface="Calibri" panose="020F0502020204030204" pitchFamily="34" charset="0"/>
-                      </a:endParaRPr>
-                    </a:p>
-                  </a:txBody>
-                  <a:tcPr marL="0" marR="0" marT="0" marB="0" anchor="b"/>
-                </a:tc>
-                <a:tc>
-                  <a:txBody>
-                    <a:bodyPr/>
-                    <a:lstStyle/>
-                    <a:p>
-                      <a:pPr algn="r" fontAlgn="b"/>
-                      <a:r>
-                        <a:rPr lang="en-GB" sz="1400" u="none" strike="noStrike">
-                          <a:effectLst/>
-                        </a:rPr>
-                        <a:t>22.0%</a:t>
-                      </a:r>
-                      <a:endParaRPr lang="en-GB" sz="1400" b="0" i="0" u="none" strike="noStrike">
-                        <a:solidFill>
-                          <a:srgbClr val="000000"/>
-                        </a:solidFill>
-                        <a:effectLst/>
-                        <a:latin typeface="Calibri" panose="020F0502020204030204" pitchFamily="34" charset="0"/>
-                      </a:endParaRPr>
-                    </a:p>
-                  </a:txBody>
-                  <a:tcPr marL="0" marR="0" marT="0" marB="0" anchor="b"/>
-                </a:tc>
-                <a:tc>
-                  <a:txBody>
-                    <a:bodyPr/>
-                    <a:lstStyle/>
-                    <a:p>
-                      <a:pPr algn="r" fontAlgn="b"/>
-                      <a:r>
-                        <a:rPr lang="en-GB" sz="1400" u="none" strike="noStrike">
-                          <a:effectLst/>
-                        </a:rPr>
-                        <a:t>30.9%</a:t>
-                      </a:r>
-                      <a:endParaRPr lang="en-GB" sz="1400" b="0" i="0" u="none" strike="noStrike">
-                        <a:solidFill>
-                          <a:srgbClr val="000000"/>
-                        </a:solidFill>
-                        <a:effectLst/>
-                        <a:latin typeface="Calibri" panose="020F0502020204030204" pitchFamily="34" charset="0"/>
-                      </a:endParaRPr>
-                    </a:p>
-                  </a:txBody>
-                  <a:tcPr marL="0" marR="0" marT="0" marB="0" anchor="b"/>
-                </a:tc>
-              </a:tr>
-              <a:tr h="202684">
-                <a:tc>
-                  <a:txBody>
-                    <a:bodyPr/>
-                    <a:lstStyle/>
-                    <a:p>
-                      <a:pPr algn="l" fontAlgn="b"/>
-                      <a:r>
-                        <a:rPr lang="en-GB" sz="1400" u="none" strike="noStrike">
-                          <a:effectLst/>
-                        </a:rPr>
-                        <a:t>06/03/2016</a:t>
-                      </a:r>
-                      <a:endParaRPr lang="en-GB" sz="1400" b="0" i="0" u="none" strike="noStrike">
-                        <a:solidFill>
-                          <a:srgbClr val="000000"/>
-                        </a:solidFill>
-                        <a:effectLst/>
-                        <a:latin typeface="Calibri" panose="020F0502020204030204" pitchFamily="34" charset="0"/>
-                      </a:endParaRPr>
-                    </a:p>
-                  </a:txBody>
-                  <a:tcPr marL="0" marR="0" marT="0" marB="0" anchor="b"/>
-                </a:tc>
-                <a:tc>
-                  <a:txBody>
-                    <a:bodyPr/>
-                    <a:lstStyle/>
-                    <a:p>
-                      <a:pPr algn="r" fontAlgn="b"/>
-                      <a:r>
-                        <a:rPr lang="en-GB" sz="1400" u="none" strike="noStrike">
-                          <a:effectLst/>
-                        </a:rPr>
-                        <a:t>36.9%</a:t>
-                      </a:r>
-                      <a:endParaRPr lang="en-GB" sz="1400" b="0" i="0" u="none" strike="noStrike">
-                        <a:solidFill>
-                          <a:srgbClr val="000000"/>
-                        </a:solidFill>
-                        <a:effectLst/>
-                        <a:latin typeface="Calibri" panose="020F0502020204030204" pitchFamily="34" charset="0"/>
-                      </a:endParaRPr>
-                    </a:p>
-                  </a:txBody>
-                  <a:tcPr marL="0" marR="0" marT="0" marB="0" anchor="b"/>
-                </a:tc>
-                <a:tc>
-                  <a:txBody>
-                    <a:bodyPr/>
-                    <a:lstStyle/>
-                    <a:p>
-                      <a:pPr algn="r" fontAlgn="b"/>
-                      <a:r>
-                        <a:rPr lang="en-GB" sz="1400" u="none" strike="noStrike">
-                          <a:effectLst/>
-                        </a:rPr>
-                        <a:t>20.6%</a:t>
-                      </a:r>
-                      <a:endParaRPr lang="en-GB" sz="1400" b="0" i="0" u="none" strike="noStrike">
-                        <a:solidFill>
-                          <a:srgbClr val="000000"/>
-                        </a:solidFill>
-                        <a:effectLst/>
-                        <a:latin typeface="Calibri" panose="020F0502020204030204" pitchFamily="34" charset="0"/>
-                      </a:endParaRPr>
-                    </a:p>
-                  </a:txBody>
-                  <a:tcPr marL="0" marR="0" marT="0" marB="0" anchor="b"/>
-                </a:tc>
-                <a:tc>
-                  <a:txBody>
-                    <a:bodyPr/>
-                    <a:lstStyle/>
-                    <a:p>
-                      <a:pPr algn="r" fontAlgn="b"/>
-                      <a:r>
-                        <a:rPr lang="en-GB" sz="1400" u="none" strike="noStrike">
-                          <a:effectLst/>
-                        </a:rPr>
-                        <a:t>31.2%</a:t>
-                      </a:r>
-                      <a:endParaRPr lang="en-GB" sz="1400" b="0" i="0" u="none" strike="noStrike">
-                        <a:solidFill>
-                          <a:srgbClr val="000000"/>
-                        </a:solidFill>
-                        <a:effectLst/>
-                        <a:latin typeface="Calibri" panose="020F0502020204030204" pitchFamily="34" charset="0"/>
-                      </a:endParaRPr>
-                    </a:p>
-                  </a:txBody>
-                  <a:tcPr marL="0" marR="0" marT="0" marB="0" anchor="b"/>
-                </a:tc>
-              </a:tr>
-              <a:tr h="202684">
-                <a:tc>
-                  <a:txBody>
-                    <a:bodyPr/>
-                    <a:lstStyle/>
-                    <a:p>
-                      <a:pPr algn="l" fontAlgn="b"/>
-                      <a:r>
-                        <a:rPr lang="en-GB" sz="1400" u="none" strike="noStrike">
-                          <a:effectLst/>
-                        </a:rPr>
-                        <a:t>07/03/2016</a:t>
-                      </a:r>
-                      <a:endParaRPr lang="en-GB" sz="1400" b="0" i="0" u="none" strike="noStrike">
-                        <a:solidFill>
-                          <a:srgbClr val="000000"/>
-                        </a:solidFill>
-                        <a:effectLst/>
-                        <a:latin typeface="Calibri" panose="020F0502020204030204" pitchFamily="34" charset="0"/>
-                      </a:endParaRPr>
-                    </a:p>
-                  </a:txBody>
-                  <a:tcPr marL="0" marR="0" marT="0" marB="0" anchor="b"/>
-                </a:tc>
-                <a:tc>
-                  <a:txBody>
-                    <a:bodyPr/>
-                    <a:lstStyle/>
-                    <a:p>
-                      <a:pPr algn="r" fontAlgn="b"/>
-                      <a:r>
-                        <a:rPr lang="en-GB" sz="1400" u="none" strike="noStrike">
-                          <a:effectLst/>
-                        </a:rPr>
-                        <a:t>34.8%</a:t>
-                      </a:r>
-                      <a:endParaRPr lang="en-GB" sz="1400" b="0" i="0" u="none" strike="noStrike">
-                        <a:solidFill>
-                          <a:srgbClr val="000000"/>
-                        </a:solidFill>
-                        <a:effectLst/>
-                        <a:latin typeface="Calibri" panose="020F0502020204030204" pitchFamily="34" charset="0"/>
-                      </a:endParaRPr>
-                    </a:p>
-                  </a:txBody>
-                  <a:tcPr marL="0" marR="0" marT="0" marB="0" anchor="b"/>
-                </a:tc>
-                <a:tc>
-                  <a:txBody>
-                    <a:bodyPr/>
-                    <a:lstStyle/>
-                    <a:p>
-                      <a:pPr algn="r" fontAlgn="b"/>
-                      <a:r>
-                        <a:rPr lang="en-GB" sz="1400" u="none" strike="noStrike">
-                          <a:effectLst/>
-                        </a:rPr>
-                        <a:t>21.4%</a:t>
-                      </a:r>
-                      <a:endParaRPr lang="en-GB" sz="1400" b="0" i="0" u="none" strike="noStrike">
-                        <a:solidFill>
-                          <a:srgbClr val="000000"/>
-                        </a:solidFill>
-                        <a:effectLst/>
-                        <a:latin typeface="Calibri" panose="020F0502020204030204" pitchFamily="34" charset="0"/>
-                      </a:endParaRPr>
-                    </a:p>
-                  </a:txBody>
-                  <a:tcPr marL="0" marR="0" marT="0" marB="0" anchor="b"/>
-                </a:tc>
-                <a:tc>
-                  <a:txBody>
-                    <a:bodyPr/>
-                    <a:lstStyle/>
-                    <a:p>
-                      <a:pPr algn="r" fontAlgn="b"/>
-                      <a:r>
-                        <a:rPr lang="en-GB" sz="1400" u="none" strike="noStrike">
-                          <a:effectLst/>
-                        </a:rPr>
-                        <a:t>30.3%</a:t>
-                      </a:r>
-                      <a:endParaRPr lang="en-GB" sz="1400" b="0" i="0" u="none" strike="noStrike">
-                        <a:solidFill>
-                          <a:srgbClr val="000000"/>
-                        </a:solidFill>
-                        <a:effectLst/>
-                        <a:latin typeface="Calibri" panose="020F0502020204030204" pitchFamily="34" charset="0"/>
-                      </a:endParaRPr>
-                    </a:p>
-                  </a:txBody>
-                  <a:tcPr marL="0" marR="0" marT="0" marB="0" anchor="b"/>
-                </a:tc>
-              </a:tr>
-              <a:tr h="202684">
-                <a:tc>
-                  <a:txBody>
-                    <a:bodyPr/>
-                    <a:lstStyle/>
-                    <a:p>
-                      <a:pPr algn="l" fontAlgn="b"/>
-                      <a:r>
-                        <a:rPr lang="en-GB" sz="1400" u="none" strike="noStrike">
-                          <a:effectLst/>
-                        </a:rPr>
-                        <a:t>08/03/2016</a:t>
-                      </a:r>
-                      <a:endParaRPr lang="en-GB" sz="1400" b="0" i="0" u="none" strike="noStrike">
-                        <a:solidFill>
-                          <a:srgbClr val="000000"/>
-                        </a:solidFill>
-                        <a:effectLst/>
-                        <a:latin typeface="Calibri" panose="020F0502020204030204" pitchFamily="34" charset="0"/>
-                      </a:endParaRPr>
-                    </a:p>
-                  </a:txBody>
-                  <a:tcPr marL="0" marR="0" marT="0" marB="0" anchor="b"/>
-                </a:tc>
-                <a:tc>
-                  <a:txBody>
-                    <a:bodyPr/>
-                    <a:lstStyle/>
-                    <a:p>
-                      <a:pPr algn="r" fontAlgn="b"/>
-                      <a:r>
-                        <a:rPr lang="en-GB" sz="1400" u="none" strike="noStrike">
-                          <a:effectLst/>
-                        </a:rPr>
-                        <a:t>36.8%</a:t>
-                      </a:r>
-                      <a:endParaRPr lang="en-GB" sz="1400" b="0" i="0" u="none" strike="noStrike">
-                        <a:solidFill>
-                          <a:srgbClr val="000000"/>
-                        </a:solidFill>
-                        <a:effectLst/>
-                        <a:latin typeface="Calibri" panose="020F0502020204030204" pitchFamily="34" charset="0"/>
-                      </a:endParaRPr>
-                    </a:p>
-                  </a:txBody>
-                  <a:tcPr marL="0" marR="0" marT="0" marB="0" anchor="b"/>
-                </a:tc>
-                <a:tc>
-                  <a:txBody>
-                    <a:bodyPr/>
-                    <a:lstStyle/>
-                    <a:p>
-                      <a:pPr algn="r" fontAlgn="b"/>
-                      <a:r>
-                        <a:rPr lang="en-GB" sz="1400" u="none" strike="noStrike">
-                          <a:effectLst/>
-                        </a:rPr>
-                        <a:t>19.9%</a:t>
-                      </a:r>
-                      <a:endParaRPr lang="en-GB" sz="1400" b="0" i="0" u="none" strike="noStrike">
-                        <a:solidFill>
-                          <a:srgbClr val="000000"/>
-                        </a:solidFill>
-                        <a:effectLst/>
-                        <a:latin typeface="Calibri" panose="020F0502020204030204" pitchFamily="34" charset="0"/>
-                      </a:endParaRPr>
-                    </a:p>
-                  </a:txBody>
-                  <a:tcPr marL="0" marR="0" marT="0" marB="0" anchor="b"/>
-                </a:tc>
-                <a:tc>
-                  <a:txBody>
-                    <a:bodyPr/>
-                    <a:lstStyle/>
-                    <a:p>
-                      <a:pPr algn="r" fontAlgn="b"/>
-                      <a:r>
-                        <a:rPr lang="en-GB" sz="1400" u="none" strike="noStrike">
-                          <a:effectLst/>
-                        </a:rPr>
-                        <a:t>31.2%</a:t>
-                      </a:r>
-                      <a:endParaRPr lang="en-GB" sz="1400" b="0" i="0" u="none" strike="noStrike">
-                        <a:solidFill>
-                          <a:srgbClr val="000000"/>
-                        </a:solidFill>
-                        <a:effectLst/>
-                        <a:latin typeface="Calibri" panose="020F0502020204030204" pitchFamily="34" charset="0"/>
-                      </a:endParaRPr>
-                    </a:p>
-                  </a:txBody>
-                  <a:tcPr marL="0" marR="0" marT="0" marB="0" anchor="b"/>
-                </a:tc>
-              </a:tr>
-              <a:tr h="288174">
-                <a:tc>
-                  <a:txBody>
-                    <a:bodyPr/>
-                    <a:lstStyle/>
-                    <a:p>
-                      <a:pPr algn="l" fontAlgn="b"/>
-                      <a:r>
-                        <a:rPr lang="en-GB" sz="1400" b="1" u="none" strike="noStrike">
-                          <a:effectLst/>
-                        </a:rPr>
-                        <a:t>Total general</a:t>
-                      </a:r>
-                      <a:endParaRPr lang="en-GB" sz="1400" b="1" i="0" u="none" strike="noStrike">
-                        <a:solidFill>
-                          <a:srgbClr val="000000"/>
-                        </a:solidFill>
-                        <a:effectLst/>
-                        <a:latin typeface="Calibri" panose="020F0502020204030204" pitchFamily="34" charset="0"/>
-                      </a:endParaRPr>
-                    </a:p>
-                  </a:txBody>
-                  <a:tcPr marL="0" marR="0" marT="0" marB="0" anchor="b"/>
-                </a:tc>
-                <a:tc>
-                  <a:txBody>
-                    <a:bodyPr/>
-                    <a:lstStyle/>
-                    <a:p>
-                      <a:pPr algn="r" fontAlgn="b"/>
-                      <a:r>
-                        <a:rPr lang="en-GB" sz="1400" b="1" u="none" strike="noStrike">
-                          <a:effectLst/>
-                        </a:rPr>
-                        <a:t>44.3%</a:t>
-                      </a:r>
-                      <a:endParaRPr lang="en-GB" sz="1400" b="1" i="0" u="none" strike="noStrike">
-                        <a:solidFill>
-                          <a:srgbClr val="000000"/>
-                        </a:solidFill>
-                        <a:effectLst/>
-                        <a:latin typeface="Calibri" panose="020F0502020204030204" pitchFamily="34" charset="0"/>
-                      </a:endParaRPr>
-                    </a:p>
-                  </a:txBody>
-                  <a:tcPr marL="0" marR="0" marT="0" marB="0" anchor="b"/>
-                </a:tc>
-                <a:tc>
-                  <a:txBody>
-                    <a:bodyPr/>
-                    <a:lstStyle/>
-                    <a:p>
-                      <a:pPr algn="r" fontAlgn="b"/>
-                      <a:r>
-                        <a:rPr lang="en-GB" sz="1400" b="1" u="none" strike="noStrike">
-                          <a:effectLst/>
-                        </a:rPr>
-                        <a:t>19.0%</a:t>
-                      </a:r>
-                      <a:endParaRPr lang="en-GB" sz="1400" b="1" i="0" u="none" strike="noStrike">
-                        <a:solidFill>
-                          <a:srgbClr val="000000"/>
-                        </a:solidFill>
-                        <a:effectLst/>
-                        <a:latin typeface="Calibri" panose="020F0502020204030204" pitchFamily="34" charset="0"/>
-                      </a:endParaRPr>
-                    </a:p>
-                  </a:txBody>
-                  <a:tcPr marL="0" marR="0" marT="0" marB="0" anchor="b"/>
-                </a:tc>
-                <a:tc>
-                  <a:txBody>
-                    <a:bodyPr/>
-                    <a:lstStyle/>
-                    <a:p>
-                      <a:pPr algn="r" fontAlgn="b"/>
-                      <a:r>
-                        <a:rPr lang="en-GB" sz="1400" b="1" u="none" strike="noStrike" dirty="0">
-                          <a:effectLst/>
-                        </a:rPr>
-                        <a:t>36.1%</a:t>
-                      </a:r>
-                      <a:endParaRPr lang="en-GB" sz="1400" b="1" i="0" u="none" strike="noStrike" dirty="0">
+                      <a:endParaRPr lang="en-GB" sz="1200" b="1" i="0" u="none" strike="noStrike">
+                        <a:solidFill>
+                          <a:srgbClr val="000000"/>
+                        </a:solidFill>
+                        <a:effectLst/>
+                        <a:latin typeface="Calibri" panose="020F0502020204030204" pitchFamily="34" charset="0"/>
+                      </a:endParaRPr>
+                    </a:p>
+                  </a:txBody>
+                  <a:tcPr marL="0" marR="0" marT="0" marB="0" anchor="b"/>
+                </a:tc>
+                <a:tc>
+                  <a:txBody>
+                    <a:bodyPr/>
+                    <a:lstStyle/>
+                    <a:p>
+                      <a:pPr algn="r" fontAlgn="b"/>
+                      <a:r>
+                        <a:rPr lang="en-GB" sz="1200" u="none" strike="noStrike" dirty="0">
+                          <a:effectLst/>
+                        </a:rPr>
+                        <a:t>29.4%</a:t>
+                      </a:r>
+                      <a:endParaRPr lang="en-GB" sz="1200" b="1" i="0" u="none" strike="noStrike" dirty="0">
                         <a:solidFill>
                           <a:srgbClr val="000000"/>
                         </a:solidFill>
@@ -11925,6 +13020,1028 @@
           </a:graphicData>
         </a:graphic>
       </p:graphicFrame>
+      <p:graphicFrame>
+        <p:nvGraphicFramePr>
+          <p:cNvPr id="4" name="Tabla 3"/>
+          <p:cNvGraphicFramePr>
+            <a:graphicFrameLocks noGrp="1"/>
+          </p:cNvGraphicFramePr>
+          <p:nvPr>
+            <p:extLst>
+              <p:ext uri="{D42A27DB-BD31-4B8C-83A1-F6EECF244321}">
+                <p14:modId xmlns:p14="http://schemas.microsoft.com/office/powerpoint/2010/main" val="1444345714"/>
+              </p:ext>
+            </p:extLst>
+          </p:nvPr>
+        </p:nvGraphicFramePr>
+        <p:xfrm>
+          <a:off x="2503054" y="4196057"/>
+          <a:ext cx="3482107" cy="2068570"/>
+        </p:xfrm>
+        <a:graphic>
+          <a:graphicData uri="http://schemas.openxmlformats.org/drawingml/2006/table">
+            <a:tbl>
+              <a:tblPr>
+                <a:tableStyleId>{3B4B98B0-60AC-42C2-AFA5-B58CD77FA1E5}</a:tableStyleId>
+              </a:tblPr>
+              <a:tblGrid>
+                <a:gridCol w="1203920"/>
+                <a:gridCol w="1092789"/>
+                <a:gridCol w="592699"/>
+                <a:gridCol w="592699"/>
+              </a:tblGrid>
+              <a:tr h="206857">
+                <a:tc>
+                  <a:txBody>
+                    <a:bodyPr/>
+                    <a:lstStyle/>
+                    <a:p>
+                      <a:pPr algn="l" fontAlgn="b"/>
+                      <a:r>
+                        <a:rPr lang="en-GB" sz="1200" u="none" strike="noStrike" dirty="0" err="1">
+                          <a:effectLst/>
+                        </a:rPr>
+                        <a:t>Fecha</a:t>
+                      </a:r>
+                      <a:endParaRPr lang="en-GB" sz="1200" b="1" i="0" u="none" strike="noStrike" dirty="0">
+                        <a:solidFill>
+                          <a:srgbClr val="000000"/>
+                        </a:solidFill>
+                        <a:effectLst/>
+                        <a:latin typeface="Calibri" panose="020F0502020204030204" pitchFamily="34" charset="0"/>
+                      </a:endParaRPr>
+                    </a:p>
+                  </a:txBody>
+                  <a:tcPr marL="0" marR="0" marT="0" marB="0" anchor="b"/>
+                </a:tc>
+                <a:tc>
+                  <a:txBody>
+                    <a:bodyPr/>
+                    <a:lstStyle/>
+                    <a:p>
+                      <a:pPr algn="l" fontAlgn="b"/>
+                      <a:r>
+                        <a:rPr lang="en-GB" sz="1200" u="none" strike="noStrike">
+                          <a:effectLst/>
+                        </a:rPr>
+                        <a:t>a</a:t>
+                      </a:r>
+                      <a:endParaRPr lang="en-GB" sz="1200" b="1" i="0" u="none" strike="noStrike">
+                        <a:solidFill>
+                          <a:srgbClr val="000000"/>
+                        </a:solidFill>
+                        <a:effectLst/>
+                        <a:latin typeface="Calibri" panose="020F0502020204030204" pitchFamily="34" charset="0"/>
+                      </a:endParaRPr>
+                    </a:p>
+                  </a:txBody>
+                  <a:tcPr marL="0" marR="0" marT="0" marB="0" anchor="b"/>
+                </a:tc>
+                <a:tc>
+                  <a:txBody>
+                    <a:bodyPr/>
+                    <a:lstStyle/>
+                    <a:p>
+                      <a:pPr algn="l" fontAlgn="b"/>
+                      <a:r>
+                        <a:rPr lang="en-GB" sz="1200" u="none" strike="noStrike">
+                          <a:effectLst/>
+                        </a:rPr>
+                        <a:t>b</a:t>
+                      </a:r>
+                      <a:endParaRPr lang="en-GB" sz="1200" b="1" i="0" u="none" strike="noStrike">
+                        <a:solidFill>
+                          <a:srgbClr val="000000"/>
+                        </a:solidFill>
+                        <a:effectLst/>
+                        <a:latin typeface="Calibri" panose="020F0502020204030204" pitchFamily="34" charset="0"/>
+                      </a:endParaRPr>
+                    </a:p>
+                  </a:txBody>
+                  <a:tcPr marL="0" marR="0" marT="0" marB="0" anchor="b"/>
+                </a:tc>
+                <a:tc>
+                  <a:txBody>
+                    <a:bodyPr/>
+                    <a:lstStyle/>
+                    <a:p>
+                      <a:pPr algn="l" fontAlgn="b"/>
+                      <a:r>
+                        <a:rPr lang="en-GB" sz="1200" u="none" strike="noStrike">
+                          <a:effectLst/>
+                        </a:rPr>
+                        <a:t>Total</a:t>
+                      </a:r>
+                      <a:endParaRPr lang="en-GB" sz="1200" b="1" i="0" u="none" strike="noStrike">
+                        <a:solidFill>
+                          <a:srgbClr val="000000"/>
+                        </a:solidFill>
+                        <a:effectLst/>
+                        <a:latin typeface="Calibri" panose="020F0502020204030204" pitchFamily="34" charset="0"/>
+                      </a:endParaRPr>
+                    </a:p>
+                  </a:txBody>
+                  <a:tcPr marL="0" marR="0" marT="0" marB="0" anchor="b"/>
+                </a:tc>
+              </a:tr>
+              <a:tr h="206857">
+                <a:tc>
+                  <a:txBody>
+                    <a:bodyPr/>
+                    <a:lstStyle/>
+                    <a:p>
+                      <a:pPr algn="l" fontAlgn="b"/>
+                      <a:r>
+                        <a:rPr lang="en-GB" sz="1200" u="none" strike="noStrike">
+                          <a:effectLst/>
+                        </a:rPr>
+                        <a:t>01/03/2016</a:t>
+                      </a:r>
+                      <a:endParaRPr lang="en-GB" sz="1200" b="0" i="0" u="none" strike="noStrike">
+                        <a:solidFill>
+                          <a:srgbClr val="000000"/>
+                        </a:solidFill>
+                        <a:effectLst/>
+                        <a:latin typeface="Calibri" panose="020F0502020204030204" pitchFamily="34" charset="0"/>
+                      </a:endParaRPr>
+                    </a:p>
+                  </a:txBody>
+                  <a:tcPr marL="0" marR="0" marT="0" marB="0" anchor="b"/>
+                </a:tc>
+                <a:tc>
+                  <a:txBody>
+                    <a:bodyPr/>
+                    <a:lstStyle/>
+                    <a:p>
+                      <a:pPr algn="r" fontAlgn="b"/>
+                      <a:r>
+                        <a:rPr lang="en-GB" sz="1200" u="none" strike="noStrike">
+                          <a:effectLst/>
+                        </a:rPr>
+                        <a:t>57.9%</a:t>
+                      </a:r>
+                      <a:endParaRPr lang="en-GB" sz="1200" b="0" i="0" u="none" strike="noStrike">
+                        <a:solidFill>
+                          <a:srgbClr val="000000"/>
+                        </a:solidFill>
+                        <a:effectLst/>
+                        <a:latin typeface="Calibri" panose="020F0502020204030204" pitchFamily="34" charset="0"/>
+                      </a:endParaRPr>
+                    </a:p>
+                  </a:txBody>
+                  <a:tcPr marL="0" marR="0" marT="0" marB="0" anchor="b"/>
+                </a:tc>
+                <a:tc>
+                  <a:txBody>
+                    <a:bodyPr/>
+                    <a:lstStyle/>
+                    <a:p>
+                      <a:pPr algn="r" fontAlgn="b"/>
+                      <a:r>
+                        <a:rPr lang="en-GB" sz="1200" u="none" strike="noStrike">
+                          <a:effectLst/>
+                        </a:rPr>
+                        <a:t>15.5%</a:t>
+                      </a:r>
+                      <a:endParaRPr lang="en-GB" sz="1200" b="0" i="0" u="none" strike="noStrike">
+                        <a:solidFill>
+                          <a:srgbClr val="000000"/>
+                        </a:solidFill>
+                        <a:effectLst/>
+                        <a:latin typeface="Calibri" panose="020F0502020204030204" pitchFamily="34" charset="0"/>
+                      </a:endParaRPr>
+                    </a:p>
+                  </a:txBody>
+                  <a:tcPr marL="0" marR="0" marT="0" marB="0" anchor="b"/>
+                </a:tc>
+                <a:tc>
+                  <a:txBody>
+                    <a:bodyPr/>
+                    <a:lstStyle/>
+                    <a:p>
+                      <a:pPr algn="r" fontAlgn="b"/>
+                      <a:r>
+                        <a:rPr lang="en-GB" sz="1200" u="none" strike="noStrike">
+                          <a:effectLst/>
+                        </a:rPr>
+                        <a:t>44.6%</a:t>
+                      </a:r>
+                      <a:endParaRPr lang="en-GB" sz="1200" b="0" i="0" u="none" strike="noStrike">
+                        <a:solidFill>
+                          <a:srgbClr val="000000"/>
+                        </a:solidFill>
+                        <a:effectLst/>
+                        <a:latin typeface="Calibri" panose="020F0502020204030204" pitchFamily="34" charset="0"/>
+                      </a:endParaRPr>
+                    </a:p>
+                  </a:txBody>
+                  <a:tcPr marL="0" marR="0" marT="0" marB="0" anchor="b"/>
+                </a:tc>
+              </a:tr>
+              <a:tr h="206857">
+                <a:tc>
+                  <a:txBody>
+                    <a:bodyPr/>
+                    <a:lstStyle/>
+                    <a:p>
+                      <a:pPr algn="l" fontAlgn="b"/>
+                      <a:r>
+                        <a:rPr lang="en-GB" sz="1200" u="none" strike="noStrike">
+                          <a:effectLst/>
+                        </a:rPr>
+                        <a:t>02/03/2016</a:t>
+                      </a:r>
+                      <a:endParaRPr lang="en-GB" sz="1200" b="0" i="0" u="none" strike="noStrike">
+                        <a:solidFill>
+                          <a:srgbClr val="000000"/>
+                        </a:solidFill>
+                        <a:effectLst/>
+                        <a:latin typeface="Calibri" panose="020F0502020204030204" pitchFamily="34" charset="0"/>
+                      </a:endParaRPr>
+                    </a:p>
+                  </a:txBody>
+                  <a:tcPr marL="0" marR="0" marT="0" marB="0" anchor="b"/>
+                </a:tc>
+                <a:tc>
+                  <a:txBody>
+                    <a:bodyPr/>
+                    <a:lstStyle/>
+                    <a:p>
+                      <a:pPr algn="r" fontAlgn="b"/>
+                      <a:r>
+                        <a:rPr lang="en-GB" sz="1200" u="none" strike="noStrike" dirty="0">
+                          <a:effectLst/>
+                        </a:rPr>
+                        <a:t>55.5%</a:t>
+                      </a:r>
+                      <a:endParaRPr lang="en-GB" sz="1200" b="0" i="0" u="none" strike="noStrike" dirty="0">
+                        <a:solidFill>
+                          <a:srgbClr val="000000"/>
+                        </a:solidFill>
+                        <a:effectLst/>
+                        <a:latin typeface="Calibri" panose="020F0502020204030204" pitchFamily="34" charset="0"/>
+                      </a:endParaRPr>
+                    </a:p>
+                  </a:txBody>
+                  <a:tcPr marL="0" marR="0" marT="0" marB="0" anchor="b"/>
+                </a:tc>
+                <a:tc>
+                  <a:txBody>
+                    <a:bodyPr/>
+                    <a:lstStyle/>
+                    <a:p>
+                      <a:pPr algn="r" fontAlgn="b"/>
+                      <a:r>
+                        <a:rPr lang="en-GB" sz="1200" u="none" strike="noStrike">
+                          <a:effectLst/>
+                        </a:rPr>
+                        <a:t>16.4%</a:t>
+                      </a:r>
+                      <a:endParaRPr lang="en-GB" sz="1200" b="0" i="0" u="none" strike="noStrike">
+                        <a:solidFill>
+                          <a:srgbClr val="000000"/>
+                        </a:solidFill>
+                        <a:effectLst/>
+                        <a:latin typeface="Calibri" panose="020F0502020204030204" pitchFamily="34" charset="0"/>
+                      </a:endParaRPr>
+                    </a:p>
+                  </a:txBody>
+                  <a:tcPr marL="0" marR="0" marT="0" marB="0" anchor="b"/>
+                </a:tc>
+                <a:tc>
+                  <a:txBody>
+                    <a:bodyPr/>
+                    <a:lstStyle/>
+                    <a:p>
+                      <a:pPr algn="r" fontAlgn="b"/>
+                      <a:r>
+                        <a:rPr lang="en-GB" sz="1200" u="none" strike="noStrike">
+                          <a:effectLst/>
+                        </a:rPr>
+                        <a:t>43.7%</a:t>
+                      </a:r>
+                      <a:endParaRPr lang="en-GB" sz="1200" b="0" i="0" u="none" strike="noStrike">
+                        <a:solidFill>
+                          <a:srgbClr val="000000"/>
+                        </a:solidFill>
+                        <a:effectLst/>
+                        <a:latin typeface="Calibri" panose="020F0502020204030204" pitchFamily="34" charset="0"/>
+                      </a:endParaRPr>
+                    </a:p>
+                  </a:txBody>
+                  <a:tcPr marL="0" marR="0" marT="0" marB="0" anchor="b"/>
+                </a:tc>
+              </a:tr>
+              <a:tr h="206857">
+                <a:tc>
+                  <a:txBody>
+                    <a:bodyPr/>
+                    <a:lstStyle/>
+                    <a:p>
+                      <a:pPr algn="l" fontAlgn="b"/>
+                      <a:r>
+                        <a:rPr lang="en-GB" sz="1200" u="none" strike="noStrike">
+                          <a:effectLst/>
+                        </a:rPr>
+                        <a:t>03/03/2016</a:t>
+                      </a:r>
+                      <a:endParaRPr lang="en-GB" sz="1200" b="0" i="0" u="none" strike="noStrike">
+                        <a:solidFill>
+                          <a:srgbClr val="000000"/>
+                        </a:solidFill>
+                        <a:effectLst/>
+                        <a:latin typeface="Calibri" panose="020F0502020204030204" pitchFamily="34" charset="0"/>
+                      </a:endParaRPr>
+                    </a:p>
+                  </a:txBody>
+                  <a:tcPr marL="0" marR="0" marT="0" marB="0" anchor="b"/>
+                </a:tc>
+                <a:tc>
+                  <a:txBody>
+                    <a:bodyPr/>
+                    <a:lstStyle/>
+                    <a:p>
+                      <a:pPr algn="r" fontAlgn="b"/>
+                      <a:r>
+                        <a:rPr lang="en-GB" sz="1200" u="none" strike="noStrike">
+                          <a:effectLst/>
+                        </a:rPr>
+                        <a:t>52.9%</a:t>
+                      </a:r>
+                      <a:endParaRPr lang="en-GB" sz="1200" b="0" i="0" u="none" strike="noStrike">
+                        <a:solidFill>
+                          <a:srgbClr val="000000"/>
+                        </a:solidFill>
+                        <a:effectLst/>
+                        <a:latin typeface="Calibri" panose="020F0502020204030204" pitchFamily="34" charset="0"/>
+                      </a:endParaRPr>
+                    </a:p>
+                  </a:txBody>
+                  <a:tcPr marL="0" marR="0" marT="0" marB="0" anchor="b"/>
+                </a:tc>
+                <a:tc>
+                  <a:txBody>
+                    <a:bodyPr/>
+                    <a:lstStyle/>
+                    <a:p>
+                      <a:pPr algn="r" fontAlgn="b"/>
+                      <a:r>
+                        <a:rPr lang="en-GB" sz="1200" u="none" strike="noStrike">
+                          <a:effectLst/>
+                        </a:rPr>
+                        <a:t>16.6%</a:t>
+                      </a:r>
+                      <a:endParaRPr lang="en-GB" sz="1200" b="0" i="0" u="none" strike="noStrike">
+                        <a:solidFill>
+                          <a:srgbClr val="000000"/>
+                        </a:solidFill>
+                        <a:effectLst/>
+                        <a:latin typeface="Calibri" panose="020F0502020204030204" pitchFamily="34" charset="0"/>
+                      </a:endParaRPr>
+                    </a:p>
+                  </a:txBody>
+                  <a:tcPr marL="0" marR="0" marT="0" marB="0" anchor="b"/>
+                </a:tc>
+                <a:tc>
+                  <a:txBody>
+                    <a:bodyPr/>
+                    <a:lstStyle/>
+                    <a:p>
+                      <a:pPr algn="r" fontAlgn="b"/>
+                      <a:r>
+                        <a:rPr lang="en-GB" sz="1200" u="none" strike="noStrike">
+                          <a:effectLst/>
+                        </a:rPr>
+                        <a:t>41.8%</a:t>
+                      </a:r>
+                      <a:endParaRPr lang="en-GB" sz="1200" b="0" i="0" u="none" strike="noStrike">
+                        <a:solidFill>
+                          <a:srgbClr val="000000"/>
+                        </a:solidFill>
+                        <a:effectLst/>
+                        <a:latin typeface="Calibri" panose="020F0502020204030204" pitchFamily="34" charset="0"/>
+                      </a:endParaRPr>
+                    </a:p>
+                  </a:txBody>
+                  <a:tcPr marL="0" marR="0" marT="0" marB="0" anchor="b"/>
+                </a:tc>
+              </a:tr>
+              <a:tr h="206857">
+                <a:tc>
+                  <a:txBody>
+                    <a:bodyPr/>
+                    <a:lstStyle/>
+                    <a:p>
+                      <a:pPr algn="l" fontAlgn="b"/>
+                      <a:r>
+                        <a:rPr lang="en-GB" sz="1200" u="none" strike="noStrike">
+                          <a:effectLst/>
+                        </a:rPr>
+                        <a:t>04/03/2016</a:t>
+                      </a:r>
+                      <a:endParaRPr lang="en-GB" sz="1200" b="0" i="0" u="none" strike="noStrike">
+                        <a:solidFill>
+                          <a:srgbClr val="000000"/>
+                        </a:solidFill>
+                        <a:effectLst/>
+                        <a:latin typeface="Calibri" panose="020F0502020204030204" pitchFamily="34" charset="0"/>
+                      </a:endParaRPr>
+                    </a:p>
+                  </a:txBody>
+                  <a:tcPr marL="0" marR="0" marT="0" marB="0" anchor="b"/>
+                </a:tc>
+                <a:tc>
+                  <a:txBody>
+                    <a:bodyPr/>
+                    <a:lstStyle/>
+                    <a:p>
+                      <a:pPr algn="r" fontAlgn="b"/>
+                      <a:r>
+                        <a:rPr lang="en-GB" sz="1200" u="none" strike="noStrike">
+                          <a:effectLst/>
+                        </a:rPr>
+                        <a:t>36.6%</a:t>
+                      </a:r>
+                      <a:endParaRPr lang="en-GB" sz="1200" b="0" i="0" u="none" strike="noStrike">
+                        <a:solidFill>
+                          <a:srgbClr val="000000"/>
+                        </a:solidFill>
+                        <a:effectLst/>
+                        <a:latin typeface="Calibri" panose="020F0502020204030204" pitchFamily="34" charset="0"/>
+                      </a:endParaRPr>
+                    </a:p>
+                  </a:txBody>
+                  <a:tcPr marL="0" marR="0" marT="0" marB="0" anchor="b"/>
+                </a:tc>
+                <a:tc>
+                  <a:txBody>
+                    <a:bodyPr/>
+                    <a:lstStyle/>
+                    <a:p>
+                      <a:pPr algn="r" fontAlgn="b"/>
+                      <a:r>
+                        <a:rPr lang="en-GB" sz="1200" u="none" strike="noStrike">
+                          <a:effectLst/>
+                        </a:rPr>
+                        <a:t>20.6%</a:t>
+                      </a:r>
+                      <a:endParaRPr lang="en-GB" sz="1200" b="0" i="0" u="none" strike="noStrike">
+                        <a:solidFill>
+                          <a:srgbClr val="000000"/>
+                        </a:solidFill>
+                        <a:effectLst/>
+                        <a:latin typeface="Calibri" panose="020F0502020204030204" pitchFamily="34" charset="0"/>
+                      </a:endParaRPr>
+                    </a:p>
+                  </a:txBody>
+                  <a:tcPr marL="0" marR="0" marT="0" marB="0" anchor="b"/>
+                </a:tc>
+                <a:tc>
+                  <a:txBody>
+                    <a:bodyPr/>
+                    <a:lstStyle/>
+                    <a:p>
+                      <a:pPr algn="r" fontAlgn="b"/>
+                      <a:r>
+                        <a:rPr lang="en-GB" sz="1200" u="none" strike="noStrike">
+                          <a:effectLst/>
+                        </a:rPr>
+                        <a:t>31.4%</a:t>
+                      </a:r>
+                      <a:endParaRPr lang="en-GB" sz="1200" b="0" i="0" u="none" strike="noStrike">
+                        <a:solidFill>
+                          <a:srgbClr val="000000"/>
+                        </a:solidFill>
+                        <a:effectLst/>
+                        <a:latin typeface="Calibri" panose="020F0502020204030204" pitchFamily="34" charset="0"/>
+                      </a:endParaRPr>
+                    </a:p>
+                  </a:txBody>
+                  <a:tcPr marL="0" marR="0" marT="0" marB="0" anchor="b"/>
+                </a:tc>
+              </a:tr>
+              <a:tr h="206857">
+                <a:tc>
+                  <a:txBody>
+                    <a:bodyPr/>
+                    <a:lstStyle/>
+                    <a:p>
+                      <a:pPr algn="l" fontAlgn="b"/>
+                      <a:r>
+                        <a:rPr lang="en-GB" sz="1200" u="none" strike="noStrike">
+                          <a:effectLst/>
+                        </a:rPr>
+                        <a:t>05/03/2016</a:t>
+                      </a:r>
+                      <a:endParaRPr lang="en-GB" sz="1200" b="0" i="0" u="none" strike="noStrike">
+                        <a:solidFill>
+                          <a:srgbClr val="000000"/>
+                        </a:solidFill>
+                        <a:effectLst/>
+                        <a:latin typeface="Calibri" panose="020F0502020204030204" pitchFamily="34" charset="0"/>
+                      </a:endParaRPr>
+                    </a:p>
+                  </a:txBody>
+                  <a:tcPr marL="0" marR="0" marT="0" marB="0" anchor="b"/>
+                </a:tc>
+                <a:tc>
+                  <a:txBody>
+                    <a:bodyPr/>
+                    <a:lstStyle/>
+                    <a:p>
+                      <a:pPr algn="r" fontAlgn="b"/>
+                      <a:r>
+                        <a:rPr lang="en-GB" sz="1200" u="none" strike="noStrike" dirty="0">
+                          <a:effectLst/>
+                        </a:rPr>
+                        <a:t>35.5%</a:t>
+                      </a:r>
+                      <a:endParaRPr lang="en-GB" sz="1200" b="0" i="0" u="none" strike="noStrike" dirty="0">
+                        <a:solidFill>
+                          <a:srgbClr val="000000"/>
+                        </a:solidFill>
+                        <a:effectLst/>
+                        <a:latin typeface="Calibri" panose="020F0502020204030204" pitchFamily="34" charset="0"/>
+                      </a:endParaRPr>
+                    </a:p>
+                  </a:txBody>
+                  <a:tcPr marL="0" marR="0" marT="0" marB="0" anchor="b"/>
+                </a:tc>
+                <a:tc>
+                  <a:txBody>
+                    <a:bodyPr/>
+                    <a:lstStyle/>
+                    <a:p>
+                      <a:pPr algn="r" fontAlgn="b"/>
+                      <a:r>
+                        <a:rPr lang="en-GB" sz="1200" u="none" strike="noStrike">
+                          <a:effectLst/>
+                        </a:rPr>
+                        <a:t>22.0%</a:t>
+                      </a:r>
+                      <a:endParaRPr lang="en-GB" sz="1200" b="0" i="0" u="none" strike="noStrike">
+                        <a:solidFill>
+                          <a:srgbClr val="000000"/>
+                        </a:solidFill>
+                        <a:effectLst/>
+                        <a:latin typeface="Calibri" panose="020F0502020204030204" pitchFamily="34" charset="0"/>
+                      </a:endParaRPr>
+                    </a:p>
+                  </a:txBody>
+                  <a:tcPr marL="0" marR="0" marT="0" marB="0" anchor="b"/>
+                </a:tc>
+                <a:tc>
+                  <a:txBody>
+                    <a:bodyPr/>
+                    <a:lstStyle/>
+                    <a:p>
+                      <a:pPr algn="r" fontAlgn="b"/>
+                      <a:r>
+                        <a:rPr lang="en-GB" sz="1200" u="none" strike="noStrike">
+                          <a:effectLst/>
+                        </a:rPr>
+                        <a:t>30.9%</a:t>
+                      </a:r>
+                      <a:endParaRPr lang="en-GB" sz="1200" b="0" i="0" u="none" strike="noStrike">
+                        <a:solidFill>
+                          <a:srgbClr val="000000"/>
+                        </a:solidFill>
+                        <a:effectLst/>
+                        <a:latin typeface="Calibri" panose="020F0502020204030204" pitchFamily="34" charset="0"/>
+                      </a:endParaRPr>
+                    </a:p>
+                  </a:txBody>
+                  <a:tcPr marL="0" marR="0" marT="0" marB="0" anchor="b"/>
+                </a:tc>
+              </a:tr>
+              <a:tr h="206857">
+                <a:tc>
+                  <a:txBody>
+                    <a:bodyPr/>
+                    <a:lstStyle/>
+                    <a:p>
+                      <a:pPr algn="l" fontAlgn="b"/>
+                      <a:r>
+                        <a:rPr lang="en-GB" sz="1200" u="none" strike="noStrike">
+                          <a:effectLst/>
+                        </a:rPr>
+                        <a:t>06/03/2016</a:t>
+                      </a:r>
+                      <a:endParaRPr lang="en-GB" sz="1200" b="0" i="0" u="none" strike="noStrike">
+                        <a:solidFill>
+                          <a:srgbClr val="000000"/>
+                        </a:solidFill>
+                        <a:effectLst/>
+                        <a:latin typeface="Calibri" panose="020F0502020204030204" pitchFamily="34" charset="0"/>
+                      </a:endParaRPr>
+                    </a:p>
+                  </a:txBody>
+                  <a:tcPr marL="0" marR="0" marT="0" marB="0" anchor="b"/>
+                </a:tc>
+                <a:tc>
+                  <a:txBody>
+                    <a:bodyPr/>
+                    <a:lstStyle/>
+                    <a:p>
+                      <a:pPr algn="r" fontAlgn="b"/>
+                      <a:r>
+                        <a:rPr lang="en-GB" sz="1200" u="none" strike="noStrike">
+                          <a:effectLst/>
+                        </a:rPr>
+                        <a:t>36.9%</a:t>
+                      </a:r>
+                      <a:endParaRPr lang="en-GB" sz="1200" b="0" i="0" u="none" strike="noStrike">
+                        <a:solidFill>
+                          <a:srgbClr val="000000"/>
+                        </a:solidFill>
+                        <a:effectLst/>
+                        <a:latin typeface="Calibri" panose="020F0502020204030204" pitchFamily="34" charset="0"/>
+                      </a:endParaRPr>
+                    </a:p>
+                  </a:txBody>
+                  <a:tcPr marL="0" marR="0" marT="0" marB="0" anchor="b"/>
+                </a:tc>
+                <a:tc>
+                  <a:txBody>
+                    <a:bodyPr/>
+                    <a:lstStyle/>
+                    <a:p>
+                      <a:pPr algn="r" fontAlgn="b"/>
+                      <a:r>
+                        <a:rPr lang="en-GB" sz="1200" u="none" strike="noStrike">
+                          <a:effectLst/>
+                        </a:rPr>
+                        <a:t>20.6%</a:t>
+                      </a:r>
+                      <a:endParaRPr lang="en-GB" sz="1200" b="0" i="0" u="none" strike="noStrike">
+                        <a:solidFill>
+                          <a:srgbClr val="000000"/>
+                        </a:solidFill>
+                        <a:effectLst/>
+                        <a:latin typeface="Calibri" panose="020F0502020204030204" pitchFamily="34" charset="0"/>
+                      </a:endParaRPr>
+                    </a:p>
+                  </a:txBody>
+                  <a:tcPr marL="0" marR="0" marT="0" marB="0" anchor="b"/>
+                </a:tc>
+                <a:tc>
+                  <a:txBody>
+                    <a:bodyPr/>
+                    <a:lstStyle/>
+                    <a:p>
+                      <a:pPr algn="r" fontAlgn="b"/>
+                      <a:r>
+                        <a:rPr lang="en-GB" sz="1200" u="none" strike="noStrike">
+                          <a:effectLst/>
+                        </a:rPr>
+                        <a:t>31.2%</a:t>
+                      </a:r>
+                      <a:endParaRPr lang="en-GB" sz="1200" b="0" i="0" u="none" strike="noStrike">
+                        <a:solidFill>
+                          <a:srgbClr val="000000"/>
+                        </a:solidFill>
+                        <a:effectLst/>
+                        <a:latin typeface="Calibri" panose="020F0502020204030204" pitchFamily="34" charset="0"/>
+                      </a:endParaRPr>
+                    </a:p>
+                  </a:txBody>
+                  <a:tcPr marL="0" marR="0" marT="0" marB="0" anchor="b"/>
+                </a:tc>
+              </a:tr>
+              <a:tr h="206857">
+                <a:tc>
+                  <a:txBody>
+                    <a:bodyPr/>
+                    <a:lstStyle/>
+                    <a:p>
+                      <a:pPr algn="l" fontAlgn="b"/>
+                      <a:r>
+                        <a:rPr lang="en-GB" sz="1200" u="none" strike="noStrike">
+                          <a:effectLst/>
+                        </a:rPr>
+                        <a:t>07/03/2016</a:t>
+                      </a:r>
+                      <a:endParaRPr lang="en-GB" sz="1200" b="0" i="0" u="none" strike="noStrike">
+                        <a:solidFill>
+                          <a:srgbClr val="000000"/>
+                        </a:solidFill>
+                        <a:effectLst/>
+                        <a:latin typeface="Calibri" panose="020F0502020204030204" pitchFamily="34" charset="0"/>
+                      </a:endParaRPr>
+                    </a:p>
+                  </a:txBody>
+                  <a:tcPr marL="0" marR="0" marT="0" marB="0" anchor="b"/>
+                </a:tc>
+                <a:tc>
+                  <a:txBody>
+                    <a:bodyPr/>
+                    <a:lstStyle/>
+                    <a:p>
+                      <a:pPr algn="r" fontAlgn="b"/>
+                      <a:r>
+                        <a:rPr lang="en-GB" sz="1200" u="none" strike="noStrike">
+                          <a:effectLst/>
+                        </a:rPr>
+                        <a:t>34.8%</a:t>
+                      </a:r>
+                      <a:endParaRPr lang="en-GB" sz="1200" b="0" i="0" u="none" strike="noStrike">
+                        <a:solidFill>
+                          <a:srgbClr val="000000"/>
+                        </a:solidFill>
+                        <a:effectLst/>
+                        <a:latin typeface="Calibri" panose="020F0502020204030204" pitchFamily="34" charset="0"/>
+                      </a:endParaRPr>
+                    </a:p>
+                  </a:txBody>
+                  <a:tcPr marL="0" marR="0" marT="0" marB="0" anchor="b"/>
+                </a:tc>
+                <a:tc>
+                  <a:txBody>
+                    <a:bodyPr/>
+                    <a:lstStyle/>
+                    <a:p>
+                      <a:pPr algn="r" fontAlgn="b"/>
+                      <a:r>
+                        <a:rPr lang="en-GB" sz="1200" u="none" strike="noStrike">
+                          <a:effectLst/>
+                        </a:rPr>
+                        <a:t>21.4%</a:t>
+                      </a:r>
+                      <a:endParaRPr lang="en-GB" sz="1200" b="0" i="0" u="none" strike="noStrike">
+                        <a:solidFill>
+                          <a:srgbClr val="000000"/>
+                        </a:solidFill>
+                        <a:effectLst/>
+                        <a:latin typeface="Calibri" panose="020F0502020204030204" pitchFamily="34" charset="0"/>
+                      </a:endParaRPr>
+                    </a:p>
+                  </a:txBody>
+                  <a:tcPr marL="0" marR="0" marT="0" marB="0" anchor="b"/>
+                </a:tc>
+                <a:tc>
+                  <a:txBody>
+                    <a:bodyPr/>
+                    <a:lstStyle/>
+                    <a:p>
+                      <a:pPr algn="r" fontAlgn="b"/>
+                      <a:r>
+                        <a:rPr lang="en-GB" sz="1200" u="none" strike="noStrike">
+                          <a:effectLst/>
+                        </a:rPr>
+                        <a:t>30.3%</a:t>
+                      </a:r>
+                      <a:endParaRPr lang="en-GB" sz="1200" b="0" i="0" u="none" strike="noStrike">
+                        <a:solidFill>
+                          <a:srgbClr val="000000"/>
+                        </a:solidFill>
+                        <a:effectLst/>
+                        <a:latin typeface="Calibri" panose="020F0502020204030204" pitchFamily="34" charset="0"/>
+                      </a:endParaRPr>
+                    </a:p>
+                  </a:txBody>
+                  <a:tcPr marL="0" marR="0" marT="0" marB="0" anchor="b"/>
+                </a:tc>
+              </a:tr>
+              <a:tr h="206857">
+                <a:tc>
+                  <a:txBody>
+                    <a:bodyPr/>
+                    <a:lstStyle/>
+                    <a:p>
+                      <a:pPr algn="l" fontAlgn="b"/>
+                      <a:r>
+                        <a:rPr lang="en-GB" sz="1200" u="none" strike="noStrike">
+                          <a:effectLst/>
+                        </a:rPr>
+                        <a:t>08/03/2016</a:t>
+                      </a:r>
+                      <a:endParaRPr lang="en-GB" sz="1200" b="0" i="0" u="none" strike="noStrike">
+                        <a:solidFill>
+                          <a:srgbClr val="000000"/>
+                        </a:solidFill>
+                        <a:effectLst/>
+                        <a:latin typeface="Calibri" panose="020F0502020204030204" pitchFamily="34" charset="0"/>
+                      </a:endParaRPr>
+                    </a:p>
+                  </a:txBody>
+                  <a:tcPr marL="0" marR="0" marT="0" marB="0" anchor="b"/>
+                </a:tc>
+                <a:tc>
+                  <a:txBody>
+                    <a:bodyPr/>
+                    <a:lstStyle/>
+                    <a:p>
+                      <a:pPr algn="r" fontAlgn="b"/>
+                      <a:r>
+                        <a:rPr lang="en-GB" sz="1200" u="none" strike="noStrike">
+                          <a:effectLst/>
+                        </a:rPr>
+                        <a:t>36.8%</a:t>
+                      </a:r>
+                      <a:endParaRPr lang="en-GB" sz="1200" b="0" i="0" u="none" strike="noStrike">
+                        <a:solidFill>
+                          <a:srgbClr val="000000"/>
+                        </a:solidFill>
+                        <a:effectLst/>
+                        <a:latin typeface="Calibri" panose="020F0502020204030204" pitchFamily="34" charset="0"/>
+                      </a:endParaRPr>
+                    </a:p>
+                  </a:txBody>
+                  <a:tcPr marL="0" marR="0" marT="0" marB="0" anchor="b"/>
+                </a:tc>
+                <a:tc>
+                  <a:txBody>
+                    <a:bodyPr/>
+                    <a:lstStyle/>
+                    <a:p>
+                      <a:pPr algn="r" fontAlgn="b"/>
+                      <a:r>
+                        <a:rPr lang="en-GB" sz="1200" u="none" strike="noStrike" dirty="0">
+                          <a:effectLst/>
+                        </a:rPr>
+                        <a:t>19.9%</a:t>
+                      </a:r>
+                      <a:endParaRPr lang="en-GB" sz="1200" b="0" i="0" u="none" strike="noStrike" dirty="0">
+                        <a:solidFill>
+                          <a:srgbClr val="000000"/>
+                        </a:solidFill>
+                        <a:effectLst/>
+                        <a:latin typeface="Calibri" panose="020F0502020204030204" pitchFamily="34" charset="0"/>
+                      </a:endParaRPr>
+                    </a:p>
+                  </a:txBody>
+                  <a:tcPr marL="0" marR="0" marT="0" marB="0" anchor="b"/>
+                </a:tc>
+                <a:tc>
+                  <a:txBody>
+                    <a:bodyPr/>
+                    <a:lstStyle/>
+                    <a:p>
+                      <a:pPr algn="r" fontAlgn="b"/>
+                      <a:r>
+                        <a:rPr lang="en-GB" sz="1200" u="none" strike="noStrike">
+                          <a:effectLst/>
+                        </a:rPr>
+                        <a:t>31.2%</a:t>
+                      </a:r>
+                      <a:endParaRPr lang="en-GB" sz="1200" b="0" i="0" u="none" strike="noStrike">
+                        <a:solidFill>
+                          <a:srgbClr val="000000"/>
+                        </a:solidFill>
+                        <a:effectLst/>
+                        <a:latin typeface="Calibri" panose="020F0502020204030204" pitchFamily="34" charset="0"/>
+                      </a:endParaRPr>
+                    </a:p>
+                  </a:txBody>
+                  <a:tcPr marL="0" marR="0" marT="0" marB="0" anchor="b"/>
+                </a:tc>
+              </a:tr>
+              <a:tr h="206857">
+                <a:tc>
+                  <a:txBody>
+                    <a:bodyPr/>
+                    <a:lstStyle/>
+                    <a:p>
+                      <a:pPr algn="l" fontAlgn="b"/>
+                      <a:r>
+                        <a:rPr lang="en-GB" sz="1200" u="none" strike="noStrike">
+                          <a:effectLst/>
+                        </a:rPr>
+                        <a:t>Total general</a:t>
+                      </a:r>
+                      <a:endParaRPr lang="en-GB" sz="1200" b="1" i="0" u="none" strike="noStrike">
+                        <a:solidFill>
+                          <a:srgbClr val="000000"/>
+                        </a:solidFill>
+                        <a:effectLst/>
+                        <a:latin typeface="Calibri" panose="020F0502020204030204" pitchFamily="34" charset="0"/>
+                      </a:endParaRPr>
+                    </a:p>
+                  </a:txBody>
+                  <a:tcPr marL="0" marR="0" marT="0" marB="0" anchor="b"/>
+                </a:tc>
+                <a:tc>
+                  <a:txBody>
+                    <a:bodyPr/>
+                    <a:lstStyle/>
+                    <a:p>
+                      <a:pPr algn="r" fontAlgn="b"/>
+                      <a:r>
+                        <a:rPr lang="en-GB" sz="1200" u="none" strike="noStrike">
+                          <a:effectLst/>
+                        </a:rPr>
+                        <a:t>44.3%</a:t>
+                      </a:r>
+                      <a:endParaRPr lang="en-GB" sz="1200" b="1" i="0" u="none" strike="noStrike">
+                        <a:solidFill>
+                          <a:srgbClr val="000000"/>
+                        </a:solidFill>
+                        <a:effectLst/>
+                        <a:latin typeface="Calibri" panose="020F0502020204030204" pitchFamily="34" charset="0"/>
+                      </a:endParaRPr>
+                    </a:p>
+                  </a:txBody>
+                  <a:tcPr marL="0" marR="0" marT="0" marB="0" anchor="b"/>
+                </a:tc>
+                <a:tc>
+                  <a:txBody>
+                    <a:bodyPr/>
+                    <a:lstStyle/>
+                    <a:p>
+                      <a:pPr algn="r" fontAlgn="b"/>
+                      <a:r>
+                        <a:rPr lang="en-GB" sz="1200" u="none" strike="noStrike">
+                          <a:effectLst/>
+                        </a:rPr>
+                        <a:t>19.0%</a:t>
+                      </a:r>
+                      <a:endParaRPr lang="en-GB" sz="1200" b="1" i="0" u="none" strike="noStrike">
+                        <a:solidFill>
+                          <a:srgbClr val="000000"/>
+                        </a:solidFill>
+                        <a:effectLst/>
+                        <a:latin typeface="Calibri" panose="020F0502020204030204" pitchFamily="34" charset="0"/>
+                      </a:endParaRPr>
+                    </a:p>
+                  </a:txBody>
+                  <a:tcPr marL="0" marR="0" marT="0" marB="0" anchor="b"/>
+                </a:tc>
+                <a:tc>
+                  <a:txBody>
+                    <a:bodyPr/>
+                    <a:lstStyle/>
+                    <a:p>
+                      <a:pPr algn="r" fontAlgn="b"/>
+                      <a:r>
+                        <a:rPr lang="en-GB" sz="1200" u="none" strike="noStrike" dirty="0">
+                          <a:effectLst/>
+                        </a:rPr>
+                        <a:t>36.1%</a:t>
+                      </a:r>
+                      <a:endParaRPr lang="en-GB" sz="1200" b="1" i="0" u="none" strike="noStrike" dirty="0">
+                        <a:solidFill>
+                          <a:srgbClr val="000000"/>
+                        </a:solidFill>
+                        <a:effectLst/>
+                        <a:latin typeface="Calibri" panose="020F0502020204030204" pitchFamily="34" charset="0"/>
+                      </a:endParaRPr>
+                    </a:p>
+                  </a:txBody>
+                  <a:tcPr marL="0" marR="0" marT="0" marB="0" anchor="b"/>
+                </a:tc>
+              </a:tr>
+            </a:tbl>
+          </a:graphicData>
+        </a:graphic>
+      </p:graphicFrame>
+      <p:pic>
+        <p:nvPicPr>
+          <p:cNvPr id="7" name="Imagen 6"/>
+          <p:cNvPicPr>
+            <a:picLocks noChangeAspect="1"/>
+          </p:cNvPicPr>
+          <p:nvPr/>
+        </p:nvPicPr>
+        <p:blipFill>
+          <a:blip r:embed="rId4"/>
+          <a:stretch>
+            <a:fillRect/>
+          </a:stretch>
+        </p:blipFill>
+        <p:spPr>
+          <a:xfrm>
+            <a:off x="6546172" y="4196057"/>
+            <a:ext cx="3558409" cy="2068570"/>
+          </a:xfrm>
+          <a:prstGeom prst="rect">
+            <a:avLst/>
+          </a:prstGeom>
+        </p:spPr>
+      </p:pic>
+      <p:pic>
+        <p:nvPicPr>
+          <p:cNvPr id="12" name="Imagen 11"/>
+          <p:cNvPicPr>
+            <a:picLocks noChangeAspect="1"/>
+          </p:cNvPicPr>
+          <p:nvPr/>
+        </p:nvPicPr>
+        <p:blipFill>
+          <a:blip r:embed="rId5"/>
+          <a:stretch>
+            <a:fillRect/>
+          </a:stretch>
+        </p:blipFill>
+        <p:spPr>
+          <a:xfrm>
+            <a:off x="6546172" y="2172224"/>
+            <a:ext cx="3558410" cy="1841500"/>
+          </a:xfrm>
+          <a:prstGeom prst="rect">
+            <a:avLst/>
+          </a:prstGeom>
+        </p:spPr>
+      </p:pic>
     </p:spTree>
     <p:extLst>
       <p:ext uri="{BB962C8B-B14F-4D97-AF65-F5344CB8AC3E}">
@@ -19779,12 +21896,12 @@
               <a:t> es muy similar y estable en el periodo de los 8 </a:t>
             </a:r>
             <a:r>
-              <a:rPr lang="es-ES" sz="1600" dirty="0" err="1"/>
-              <a:t>dias</a:t>
+              <a:rPr lang="es-ES" sz="1600" dirty="0" smtClean="0"/>
+              <a:t>días. </a:t>
             </a:r>
             <a:r>
               <a:rPr lang="es-ES" sz="1600" dirty="0"/>
-              <a:t>. El grupo "A" tiene en promedio un 18.4% en el </a:t>
+              <a:t>El grupo "A" tiene en promedio un 18.4% en el </a:t>
             </a:r>
             <a:r>
               <a:rPr lang="es-ES" sz="1600" dirty="0" err="1"/>
